--- a/week_04_OOP_ADT_LIST/week_04.pptx
+++ b/week_04_OOP_ADT_LIST/week_04.pptx
@@ -6,18 +6,22 @@
     <p:sldMasterId id="2147483652" r:id="rId2"/>
   </p:sldMasterIdLst>
   <p:notesMasterIdLst>
-    <p:notesMasterId r:id="rId12"/>
+    <p:notesMasterId r:id="rId16"/>
   </p:notesMasterIdLst>
   <p:sldIdLst>
     <p:sldId id="306" r:id="rId3"/>
     <p:sldId id="259" r:id="rId4"/>
     <p:sldId id="785" r:id="rId5"/>
-    <p:sldId id="789" r:id="rId6"/>
-    <p:sldId id="303" r:id="rId7"/>
-    <p:sldId id="340" r:id="rId8"/>
-    <p:sldId id="790" r:id="rId9"/>
-    <p:sldId id="788" r:id="rId10"/>
-    <p:sldId id="787" r:id="rId11"/>
+    <p:sldId id="666" r:id="rId6"/>
+    <p:sldId id="793" r:id="rId7"/>
+    <p:sldId id="789" r:id="rId8"/>
+    <p:sldId id="791" r:id="rId9"/>
+    <p:sldId id="792" r:id="rId10"/>
+    <p:sldId id="303" r:id="rId11"/>
+    <p:sldId id="340" r:id="rId12"/>
+    <p:sldId id="790" r:id="rId13"/>
+    <p:sldId id="788" r:id="rId14"/>
+    <p:sldId id="787" r:id="rId15"/>
   </p:sldIdLst>
   <p:sldSz cx="9144000" cy="6858000" type="screen4x3"/>
   <p:notesSz cx="6858000" cy="9144000"/>
@@ -3272,585 +3276,7 @@
 </p:sld>
 </file>
 
-<file path=ppt/slides/slide2.xml><?xml version="1.0" encoding="utf-8"?>
-<p:sld xmlns:a="http://schemas.openxmlformats.org/drawingml/2006/main" xmlns:r="http://schemas.openxmlformats.org/officeDocument/2006/relationships" xmlns:p="http://schemas.openxmlformats.org/presentationml/2006/main">
-  <p:cSld>
-    <p:spTree>
-      <p:nvGrpSpPr>
-        <p:cNvPr id="1" name=""/>
-        <p:cNvGrpSpPr/>
-        <p:nvPr/>
-      </p:nvGrpSpPr>
-      <p:grpSpPr>
-        <a:xfrm>
-          <a:off x="0" y="0"/>
-          <a:ext cx="0" cy="0"/>
-          <a:chOff x="0" y="0"/>
-          <a:chExt cx="0" cy="0"/>
-        </a:xfrm>
-      </p:grpSpPr>
-      <p:sp>
-        <p:nvSpPr>
-          <p:cNvPr id="3" name="Title 2"/>
-          <p:cNvSpPr>
-            <a:spLocks noGrp="1"/>
-          </p:cNvSpPr>
-          <p:nvPr>
-            <p:ph type="title"/>
-          </p:nvPr>
-        </p:nvSpPr>
-        <p:spPr/>
-        <p:txBody>
-          <a:bodyPr/>
-          <a:lstStyle/>
-          <a:p>
-            <a:r>
-              <a:rPr lang="en-US" dirty="0"/>
-              <a:t>CSS342 Data Structures, Algorithms, and Discrete Mathematics (I)</a:t>
-            </a:r>
-          </a:p>
-        </p:txBody>
-      </p:sp>
-    </p:spTree>
-    <p:extLst>
-      <p:ext uri="{BB962C8B-B14F-4D97-AF65-F5344CB8AC3E}">
-        <p14:creationId xmlns:p14="http://schemas.microsoft.com/office/powerpoint/2010/main" val="1913477580"/>
-      </p:ext>
-    </p:extLst>
-  </p:cSld>
-  <p:clrMapOvr>
-    <a:masterClrMapping/>
-  </p:clrMapOvr>
-</p:sld>
-</file>
-
-<file path=ppt/slides/slide3.xml><?xml version="1.0" encoding="utf-8"?>
-<p:sld xmlns:a="http://schemas.openxmlformats.org/drawingml/2006/main" xmlns:r="http://schemas.openxmlformats.org/officeDocument/2006/relationships" xmlns:p="http://schemas.openxmlformats.org/presentationml/2006/main">
-  <p:cSld>
-    <p:spTree>
-      <p:nvGrpSpPr>
-        <p:cNvPr id="1" name=""/>
-        <p:cNvGrpSpPr/>
-        <p:nvPr/>
-      </p:nvGrpSpPr>
-      <p:grpSpPr>
-        <a:xfrm>
-          <a:off x="0" y="0"/>
-          <a:ext cx="0" cy="0"/>
-          <a:chOff x="0" y="0"/>
-          <a:chExt cx="0" cy="0"/>
-        </a:xfrm>
-      </p:grpSpPr>
-      <p:sp>
-        <p:nvSpPr>
-          <p:cNvPr id="2" name="Text Placeholder 1">
-            <a:extLst>
-              <a:ext uri="{FF2B5EF4-FFF2-40B4-BE49-F238E27FC236}">
-                <a16:creationId xmlns:a16="http://schemas.microsoft.com/office/drawing/2014/main" id="{06206E90-1F59-0F46-9432-C24AB90C8151}"/>
-              </a:ext>
-            </a:extLst>
-          </p:cNvPr>
-          <p:cNvSpPr>
-            <a:spLocks noGrp="1"/>
-          </p:cNvSpPr>
-          <p:nvPr>
-            <p:ph type="body" sz="quarter" idx="11"/>
-          </p:nvPr>
-        </p:nvSpPr>
-        <p:spPr>
-          <a:xfrm>
-            <a:off x="477710" y="1606529"/>
-            <a:ext cx="8280782" cy="4988250"/>
-          </a:xfrm>
-        </p:spPr>
-        <p:txBody>
-          <a:bodyPr/>
-          <a:lstStyle/>
-          <a:p>
-            <a:pPr>
-              <a:buFont typeface="Wingdings" pitchFamily="2" charset="2"/>
-              <a:buChar char="q"/>
-            </a:pPr>
-            <a:r>
-              <a:rPr lang="en-US" sz="1800" b="0" dirty="0"/>
-              <a:t>Quiz-1 review (Wed)</a:t>
-            </a:r>
-          </a:p>
-          <a:p>
-            <a:pPr>
-              <a:buFont typeface="Wingdings" pitchFamily="2" charset="2"/>
-              <a:buChar char="q"/>
-            </a:pPr>
-            <a:endParaRPr lang="en-US" sz="1800" b="0" dirty="0"/>
-          </a:p>
-          <a:p>
-            <a:pPr>
-              <a:buFont typeface="Wingdings" pitchFamily="2" charset="2"/>
-              <a:buChar char="q"/>
-            </a:pPr>
-            <a:r>
-              <a:rPr lang="en-US" sz="1800" b="0" dirty="0"/>
-              <a:t>Homework 2 Q/A (Wed)</a:t>
-            </a:r>
-          </a:p>
-          <a:p>
-            <a:pPr lvl="1">
-              <a:buFont typeface="Wingdings" pitchFamily="2" charset="2"/>
-              <a:buChar char="q"/>
-            </a:pPr>
-            <a:r>
-              <a:rPr lang="en-US" sz="1400" b="0" dirty="0"/>
-              <a:t>Common submission mistake from homework 1</a:t>
-            </a:r>
-          </a:p>
-          <a:p>
-            <a:pPr lvl="1">
-              <a:buFont typeface="Wingdings" pitchFamily="2" charset="2"/>
-              <a:buChar char="q"/>
-            </a:pPr>
-            <a:r>
-              <a:rPr lang="en-US" sz="1400" b="0" dirty="0"/>
-              <a:t>New bot check for added files</a:t>
-            </a:r>
-          </a:p>
-          <a:p>
-            <a:pPr lvl="1">
-              <a:buFont typeface="Wingdings" pitchFamily="2" charset="2"/>
-              <a:buChar char="q"/>
-            </a:pPr>
-            <a:r>
-              <a:rPr lang="en-US" sz="1400" b="0" dirty="0"/>
-              <a:t>Use test as manual</a:t>
-            </a:r>
-          </a:p>
-          <a:p>
-            <a:pPr lvl="1">
-              <a:buFont typeface="Wingdings" pitchFamily="2" charset="2"/>
-              <a:buChar char="q"/>
-            </a:pPr>
-            <a:endParaRPr lang="en-US" sz="1400" b="0" dirty="0"/>
-          </a:p>
-          <a:p>
-            <a:pPr>
-              <a:buFont typeface="Wingdings" pitchFamily="2" charset="2"/>
-              <a:buChar char="q"/>
-            </a:pPr>
-            <a:r>
-              <a:rPr lang="en-US" sz="1800" b="0" dirty="0"/>
-              <a:t>C++</a:t>
-            </a:r>
-          </a:p>
-          <a:p>
-            <a:pPr lvl="1">
-              <a:buFont typeface="Wingdings" pitchFamily="2" charset="2"/>
-              <a:buChar char="q"/>
-            </a:pPr>
-            <a:r>
-              <a:rPr lang="en-US" sz="1400" b="0" dirty="0"/>
-              <a:t>Template class</a:t>
-            </a:r>
-          </a:p>
-          <a:p>
-            <a:pPr marL="57150" indent="0">
-              <a:buNone/>
-            </a:pPr>
-            <a:endParaRPr lang="en-US" sz="1800" b="0" dirty="0"/>
-          </a:p>
-          <a:p>
-            <a:pPr>
-              <a:buFont typeface="Wingdings" pitchFamily="2" charset="2"/>
-              <a:buChar char="q"/>
-            </a:pPr>
-            <a:r>
-              <a:rPr lang="en-US" sz="1800" b="0" dirty="0"/>
-              <a:t>Linux  Platform(Wed)</a:t>
-            </a:r>
-          </a:p>
-          <a:p>
-            <a:pPr lvl="1">
-              <a:buFont typeface="Wingdings" pitchFamily="2" charset="2"/>
-              <a:buChar char="q"/>
-            </a:pPr>
-            <a:r>
-              <a:rPr lang="en-US" sz="1400" b="0" dirty="0"/>
-              <a:t>Makefile, </a:t>
-            </a:r>
-            <a:r>
-              <a:rPr lang="en-US" sz="1400" b="0" dirty="0" err="1"/>
-              <a:t>CMake</a:t>
-            </a:r>
-            <a:endParaRPr lang="en-US" sz="1400" b="0" dirty="0"/>
-          </a:p>
-          <a:p>
-            <a:pPr lvl="1">
-              <a:buFont typeface="Wingdings" pitchFamily="2" charset="2"/>
-              <a:buChar char="q"/>
-            </a:pPr>
-            <a:r>
-              <a:rPr lang="en-US" sz="1400" b="0" dirty="0"/>
-              <a:t>Debug memory leak</a:t>
-            </a:r>
-          </a:p>
-          <a:p>
-            <a:pPr lvl="1">
-              <a:buFont typeface="Wingdings" pitchFamily="2" charset="2"/>
-              <a:buChar char="q"/>
-            </a:pPr>
-            <a:r>
-              <a:rPr lang="en-US" sz="1400" b="0" dirty="0"/>
-              <a:t>Using AWS virtual machine (get an account, free)</a:t>
-            </a:r>
-          </a:p>
-          <a:p>
-            <a:pPr lvl="1">
-              <a:buFont typeface="Wingdings" pitchFamily="2" charset="2"/>
-              <a:buChar char="q"/>
-            </a:pPr>
-            <a:r>
-              <a:rPr lang="en-US" sz="1400" b="0" dirty="0"/>
-              <a:t>Learn VIM basics</a:t>
-            </a:r>
-          </a:p>
-          <a:p>
-            <a:pPr lvl="1">
-              <a:buFont typeface="Wingdings" pitchFamily="2" charset="2"/>
-              <a:buChar char="q"/>
-            </a:pPr>
-            <a:endParaRPr lang="en-US" sz="1400" b="0" dirty="0"/>
-          </a:p>
-          <a:p>
-            <a:pPr>
-              <a:buFont typeface="Wingdings" pitchFamily="2" charset="2"/>
-              <a:buChar char="q"/>
-            </a:pPr>
-            <a:r>
-              <a:rPr lang="en-US" sz="1800" b="0" dirty="0"/>
-              <a:t>Quiz-2 next Thursday (4/22, same format as before)</a:t>
-            </a:r>
-          </a:p>
-          <a:p>
-            <a:pPr marL="0" indent="0">
-              <a:buNone/>
-            </a:pPr>
-            <a:endParaRPr lang="en-US" sz="1800" b="0" dirty="0"/>
-          </a:p>
-        </p:txBody>
-      </p:sp>
-      <p:sp>
-        <p:nvSpPr>
-          <p:cNvPr id="3" name="Title 2">
-            <a:extLst>
-              <a:ext uri="{FF2B5EF4-FFF2-40B4-BE49-F238E27FC236}">
-                <a16:creationId xmlns:a16="http://schemas.microsoft.com/office/drawing/2014/main" id="{35C0EBFD-97B5-7A4B-920F-AFC8A269CDB0}"/>
-              </a:ext>
-            </a:extLst>
-          </p:cNvPr>
-          <p:cNvSpPr>
-            <a:spLocks noGrp="1"/>
-          </p:cNvSpPr>
-          <p:nvPr>
-            <p:ph type="title"/>
-          </p:nvPr>
-        </p:nvSpPr>
-        <p:spPr/>
-        <p:txBody>
-          <a:bodyPr/>
-          <a:lstStyle/>
-          <a:p>
-            <a:pPr marL="457200" indent="-457200">
-              <a:buFont typeface="Wingdings" pitchFamily="2" charset="2"/>
-              <a:buChar char="q"/>
-            </a:pPr>
-            <a:r>
-              <a:rPr lang="en-US" baseline="30000" dirty="0"/>
-              <a:t>4th</a:t>
-            </a:r>
-            <a:r>
-              <a:rPr lang="en-US" dirty="0"/>
-              <a:t> Week Schedules</a:t>
-            </a:r>
-          </a:p>
-        </p:txBody>
-      </p:sp>
-      <p:pic>
-        <p:nvPicPr>
-          <p:cNvPr id="4" name="Picture 3">
-            <a:extLst>
-              <a:ext uri="{FF2B5EF4-FFF2-40B4-BE49-F238E27FC236}">
-                <a16:creationId xmlns:a16="http://schemas.microsoft.com/office/drawing/2014/main" id="{518E769A-7A1D-2544-949B-CEA2C1F671B1}"/>
-              </a:ext>
-            </a:extLst>
-          </p:cNvPr>
-          <p:cNvPicPr>
-            <a:picLocks noChangeAspect="1"/>
-          </p:cNvPicPr>
-          <p:nvPr/>
-        </p:nvPicPr>
-        <p:blipFill>
-          <a:blip r:embed="rId2"/>
-          <a:stretch>
-            <a:fillRect/>
-          </a:stretch>
-        </p:blipFill>
-        <p:spPr>
-          <a:xfrm>
-            <a:off x="7560094" y="158183"/>
-            <a:ext cx="1383480" cy="1388369"/>
-          </a:xfrm>
-          <a:prstGeom prst="rect">
-            <a:avLst/>
-          </a:prstGeom>
-        </p:spPr>
-      </p:pic>
-    </p:spTree>
-    <p:extLst>
-      <p:ext uri="{BB962C8B-B14F-4D97-AF65-F5344CB8AC3E}">
-        <p14:creationId xmlns:p14="http://schemas.microsoft.com/office/powerpoint/2010/main" val="1640838132"/>
-      </p:ext>
-    </p:extLst>
-  </p:cSld>
-  <p:clrMapOvr>
-    <a:masterClrMapping/>
-  </p:clrMapOvr>
-</p:sld>
-</file>
-
-<file path=ppt/slides/slide4.xml><?xml version="1.0" encoding="utf-8"?>
-<p:sld xmlns:a="http://schemas.openxmlformats.org/drawingml/2006/main" xmlns:r="http://schemas.openxmlformats.org/officeDocument/2006/relationships" xmlns:p="http://schemas.openxmlformats.org/presentationml/2006/main">
-  <p:cSld>
-    <p:spTree>
-      <p:nvGrpSpPr>
-        <p:cNvPr id="1" name=""/>
-        <p:cNvGrpSpPr/>
-        <p:nvPr/>
-      </p:nvGrpSpPr>
-      <p:grpSpPr>
-        <a:xfrm>
-          <a:off x="0" y="0"/>
-          <a:ext cx="0" cy="0"/>
-          <a:chOff x="0" y="0"/>
-          <a:chExt cx="0" cy="0"/>
-        </a:xfrm>
-      </p:grpSpPr>
-      <p:sp>
-        <p:nvSpPr>
-          <p:cNvPr id="3" name="Title 2">
-            <a:extLst>
-              <a:ext uri="{FF2B5EF4-FFF2-40B4-BE49-F238E27FC236}">
-                <a16:creationId xmlns:a16="http://schemas.microsoft.com/office/drawing/2014/main" id="{A8A9922F-AC91-02DD-7167-89E1F9278801}"/>
-              </a:ext>
-            </a:extLst>
-          </p:cNvPr>
-          <p:cNvSpPr>
-            <a:spLocks noGrp="1"/>
-          </p:cNvSpPr>
-          <p:nvPr>
-            <p:ph type="title"/>
-          </p:nvPr>
-        </p:nvSpPr>
-        <p:spPr/>
-        <p:txBody>
-          <a:bodyPr/>
-          <a:lstStyle/>
-          <a:p>
-            <a:r>
-              <a:rPr lang="en-US" dirty="0"/>
-              <a:t>Virtual machine</a:t>
-            </a:r>
-          </a:p>
-        </p:txBody>
-      </p:sp>
-      <p:pic>
-        <p:nvPicPr>
-          <p:cNvPr id="4" name="Picture 3">
-            <a:extLst>
-              <a:ext uri="{FF2B5EF4-FFF2-40B4-BE49-F238E27FC236}">
-                <a16:creationId xmlns:a16="http://schemas.microsoft.com/office/drawing/2014/main" id="{3BABF782-7767-EE77-91BD-AEAFC41CC100}"/>
-              </a:ext>
-            </a:extLst>
-          </p:cNvPr>
-          <p:cNvPicPr>
-            <a:picLocks noChangeAspect="1"/>
-          </p:cNvPicPr>
-          <p:nvPr/>
-        </p:nvPicPr>
-        <p:blipFill>
-          <a:blip r:embed="rId2"/>
-          <a:stretch>
-            <a:fillRect/>
-          </a:stretch>
-        </p:blipFill>
-        <p:spPr>
-          <a:xfrm>
-            <a:off x="256396" y="1929907"/>
-            <a:ext cx="5651345" cy="4556582"/>
-          </a:xfrm>
-          <a:prstGeom prst="rect">
-            <a:avLst/>
-          </a:prstGeom>
-          <a:ln>
-            <a:noFill/>
-          </a:ln>
-          <a:effectLst>
-            <a:outerShdw blurRad="292100" dist="139700" dir="2700000" algn="tl" rotWithShape="0">
-              <a:srgbClr val="333333">
-                <a:alpha val="65000"/>
-              </a:srgbClr>
-            </a:outerShdw>
-          </a:effectLst>
-        </p:spPr>
-      </p:pic>
-      <p:sp>
-        <p:nvSpPr>
-          <p:cNvPr id="5" name="TextBox 4">
-            <a:extLst>
-              <a:ext uri="{FF2B5EF4-FFF2-40B4-BE49-F238E27FC236}">
-                <a16:creationId xmlns:a16="http://schemas.microsoft.com/office/drawing/2014/main" id="{8EA89C9E-7B9B-A82F-8083-0DA209FADBC0}"/>
-              </a:ext>
-            </a:extLst>
-          </p:cNvPr>
-          <p:cNvSpPr txBox="1"/>
-          <p:nvPr/>
-        </p:nvSpPr>
-        <p:spPr>
-          <a:xfrm>
-            <a:off x="6535271" y="3729317"/>
-            <a:ext cx="2025876" cy="369332"/>
-          </a:xfrm>
-          <a:prstGeom prst="rect">
-            <a:avLst/>
-          </a:prstGeom>
-          <a:noFill/>
-        </p:spPr>
-        <p:txBody>
-          <a:bodyPr wrap="none" rtlCol="0">
-            <a:spAutoFit/>
-          </a:bodyPr>
-          <a:lstStyle/>
-          <a:p>
-            <a:r>
-              <a:rPr lang="en-US" dirty="0">
-                <a:hlinkClick r:id="rId3"/>
-              </a:rPr>
-              <a:t>Detailed guide here</a:t>
-            </a:r>
-            <a:endParaRPr lang="en-US" dirty="0"/>
-          </a:p>
-        </p:txBody>
-      </p:sp>
-    </p:spTree>
-    <p:extLst>
-      <p:ext uri="{BB962C8B-B14F-4D97-AF65-F5344CB8AC3E}">
-        <p14:creationId xmlns:p14="http://schemas.microsoft.com/office/powerpoint/2010/main" val="1588707093"/>
-      </p:ext>
-    </p:extLst>
-  </p:cSld>
-  <p:clrMapOvr>
-    <a:masterClrMapping/>
-  </p:clrMapOvr>
-</p:sld>
-</file>
-
-<file path=ppt/slides/slide5.xml><?xml version="1.0" encoding="utf-8"?>
-<p:sld xmlns:a="http://schemas.openxmlformats.org/drawingml/2006/main" xmlns:r="http://schemas.openxmlformats.org/officeDocument/2006/relationships" xmlns:p="http://schemas.openxmlformats.org/presentationml/2006/main">
-  <p:cSld>
-    <p:spTree>
-      <p:nvGrpSpPr>
-        <p:cNvPr id="1" name=""/>
-        <p:cNvGrpSpPr/>
-        <p:nvPr/>
-      </p:nvGrpSpPr>
-      <p:grpSpPr>
-        <a:xfrm>
-          <a:off x="0" y="0"/>
-          <a:ext cx="0" cy="0"/>
-          <a:chOff x="0" y="0"/>
-          <a:chExt cx="0" cy="0"/>
-        </a:xfrm>
-      </p:grpSpPr>
-      <p:sp>
-        <p:nvSpPr>
-          <p:cNvPr id="3" name="Title 2">
-            <a:extLst>
-              <a:ext uri="{FF2B5EF4-FFF2-40B4-BE49-F238E27FC236}">
-                <a16:creationId xmlns:a16="http://schemas.microsoft.com/office/drawing/2014/main" id="{A1E2141C-0815-0F43-95B1-DE633B8D47A0}"/>
-              </a:ext>
-            </a:extLst>
-          </p:cNvPr>
-          <p:cNvSpPr>
-            <a:spLocks noGrp="1"/>
-          </p:cNvSpPr>
-          <p:nvPr>
-            <p:ph type="title"/>
-          </p:nvPr>
-        </p:nvSpPr>
-        <p:spPr/>
-        <p:txBody>
-          <a:bodyPr/>
-          <a:lstStyle/>
-          <a:p>
-            <a:r>
-              <a:rPr lang="en-US" dirty="0" err="1"/>
-              <a:t>Makefile</a:t>
-            </a:r>
-            <a:endParaRPr lang="en-US" dirty="0"/>
-          </a:p>
-        </p:txBody>
-      </p:sp>
-      <p:pic>
-        <p:nvPicPr>
-          <p:cNvPr id="2" name="Picture 1">
-            <a:extLst>
-              <a:ext uri="{FF2B5EF4-FFF2-40B4-BE49-F238E27FC236}">
-                <a16:creationId xmlns:a16="http://schemas.microsoft.com/office/drawing/2014/main" id="{7A95A138-DD79-556E-B169-73B2723936F4}"/>
-              </a:ext>
-            </a:extLst>
-          </p:cNvPr>
-          <p:cNvPicPr>
-            <a:picLocks noChangeAspect="1"/>
-          </p:cNvPicPr>
-          <p:nvPr/>
-        </p:nvPicPr>
-        <p:blipFill>
-          <a:blip r:embed="rId2"/>
-          <a:stretch>
-            <a:fillRect/>
-          </a:stretch>
-        </p:blipFill>
-        <p:spPr>
-          <a:xfrm>
-            <a:off x="2279650" y="2174802"/>
-            <a:ext cx="4584700" cy="3503592"/>
-          </a:xfrm>
-          <a:prstGeom prst="rect">
-            <a:avLst/>
-          </a:prstGeom>
-          <a:ln>
-            <a:noFill/>
-          </a:ln>
-          <a:effectLst>
-            <a:outerShdw blurRad="292100" dist="139700" dir="2700000" algn="tl" rotWithShape="0">
-              <a:srgbClr val="333333">
-                <a:alpha val="65000"/>
-              </a:srgbClr>
-            </a:outerShdw>
-          </a:effectLst>
-        </p:spPr>
-      </p:pic>
-    </p:spTree>
-    <p:extLst>
-      <p:ext uri="{BB962C8B-B14F-4D97-AF65-F5344CB8AC3E}">
-        <p14:creationId xmlns:p14="http://schemas.microsoft.com/office/powerpoint/2010/main" val="330207620"/>
-      </p:ext>
-    </p:extLst>
-  </p:cSld>
-  <p:clrMapOvr>
-    <a:masterClrMapping/>
-  </p:clrMapOvr>
-</p:sld>
-</file>
-
-<file path=ppt/slides/slide6.xml><?xml version="1.0" encoding="utf-8"?>
+<file path=ppt/slides/slide10.xml><?xml version="1.0" encoding="utf-8"?>
 <p:sld xmlns:a="http://schemas.openxmlformats.org/drawingml/2006/main" xmlns:r="http://schemas.openxmlformats.org/officeDocument/2006/relationships" xmlns:p="http://schemas.openxmlformats.org/presentationml/2006/main">
   <p:cSld>
     <p:spTree>
@@ -4351,7 +3777,7 @@
 </p:sld>
 </file>
 
-<file path=ppt/slides/slide7.xml><?xml version="1.0" encoding="utf-8"?>
+<file path=ppt/slides/slide11.xml><?xml version="1.0" encoding="utf-8"?>
 <p:sld xmlns:a="http://schemas.openxmlformats.org/drawingml/2006/main" xmlns:r="http://schemas.openxmlformats.org/officeDocument/2006/relationships" xmlns:p="http://schemas.openxmlformats.org/presentationml/2006/main">
   <p:cSld>
     <p:spTree>
@@ -4649,7 +4075,7 @@
 </p:sld>
 </file>
 
-<file path=ppt/slides/slide8.xml><?xml version="1.0" encoding="utf-8"?>
+<file path=ppt/slides/slide12.xml><?xml version="1.0" encoding="utf-8"?>
 <p:sld xmlns:a="http://schemas.openxmlformats.org/drawingml/2006/main" xmlns:r="http://schemas.openxmlformats.org/officeDocument/2006/relationships" xmlns:p="http://schemas.openxmlformats.org/presentationml/2006/main">
   <p:cSld>
     <p:spTree>
@@ -4822,7 +4248,7 @@
 </p:sld>
 </file>
 
-<file path=ppt/slides/slide9.xml><?xml version="1.0" encoding="utf-8"?>
+<file path=ppt/slides/slide13.xml><?xml version="1.0" encoding="utf-8"?>
 <p:sld xmlns:a="http://schemas.openxmlformats.org/drawingml/2006/main" xmlns:r="http://schemas.openxmlformats.org/officeDocument/2006/relationships" xmlns:p="http://schemas.openxmlformats.org/presentationml/2006/main">
   <p:cSld>
     <p:spTree>
@@ -4869,10 +4295,10 @@
       </p:sp>
       <p:pic>
         <p:nvPicPr>
-          <p:cNvPr id="2" name="Picture 1">
+          <p:cNvPr id="4" name="Picture 3">
             <a:extLst>
               <a:ext uri="{FF2B5EF4-FFF2-40B4-BE49-F238E27FC236}">
-                <a16:creationId xmlns:a16="http://schemas.microsoft.com/office/drawing/2014/main" id="{97D3B6B3-C06C-1140-BAE9-FD70E3ECFF56}"/>
+                <a16:creationId xmlns:a16="http://schemas.microsoft.com/office/drawing/2014/main" id="{32BFE08E-95B7-19A5-F81E-02F42E625EF1}"/>
               </a:ext>
             </a:extLst>
           </p:cNvPr>
@@ -4889,8 +4315,8 @@
         </p:blipFill>
         <p:spPr>
           <a:xfrm>
-            <a:off x="3612776" y="2282637"/>
-            <a:ext cx="4432300" cy="876300"/>
+            <a:off x="2754535" y="1951814"/>
+            <a:ext cx="4711700" cy="3416300"/>
           </a:xfrm>
           <a:prstGeom prst="rect">
             <a:avLst/>
@@ -4907,10 +4333,2740 @@
           </a:effectLst>
         </p:spPr>
       </p:pic>
+      <p:sp>
+        <p:nvSpPr>
+          <p:cNvPr id="5" name="TextBox 4">
+            <a:extLst>
+              <a:ext uri="{FF2B5EF4-FFF2-40B4-BE49-F238E27FC236}">
+                <a16:creationId xmlns:a16="http://schemas.microsoft.com/office/drawing/2014/main" id="{68D9D045-8991-081E-9987-143831E6E3C8}"/>
+              </a:ext>
+            </a:extLst>
+          </p:cNvPr>
+          <p:cNvSpPr txBox="1"/>
+          <p:nvPr/>
+        </p:nvSpPr>
+        <p:spPr>
+          <a:xfrm>
+            <a:off x="5016381" y="5956419"/>
+            <a:ext cx="2192010" cy="369332"/>
+          </a:xfrm>
+          <a:prstGeom prst="rect">
+            <a:avLst/>
+          </a:prstGeom>
+          <a:noFill/>
+        </p:spPr>
+        <p:txBody>
+          <a:bodyPr wrap="none" rtlCol="0">
+            <a:spAutoFit/>
+          </a:bodyPr>
+          <a:lstStyle/>
+          <a:p>
+            <a:r>
+              <a:rPr lang="en-US" dirty="0">
+                <a:hlinkClick r:id="rId3"/>
+              </a:rPr>
+              <a:t>More discussion here</a:t>
+            </a:r>
+            <a:endParaRPr lang="en-US" dirty="0"/>
+          </a:p>
+        </p:txBody>
+      </p:sp>
     </p:spTree>
     <p:extLst>
       <p:ext uri="{BB962C8B-B14F-4D97-AF65-F5344CB8AC3E}">
         <p14:creationId xmlns:p14="http://schemas.microsoft.com/office/powerpoint/2010/main" val="4079225911"/>
+      </p:ext>
+    </p:extLst>
+  </p:cSld>
+  <p:clrMapOvr>
+    <a:masterClrMapping/>
+  </p:clrMapOvr>
+</p:sld>
+</file>
+
+<file path=ppt/slides/slide2.xml><?xml version="1.0" encoding="utf-8"?>
+<p:sld xmlns:a="http://schemas.openxmlformats.org/drawingml/2006/main" xmlns:r="http://schemas.openxmlformats.org/officeDocument/2006/relationships" xmlns:p="http://schemas.openxmlformats.org/presentationml/2006/main">
+  <p:cSld>
+    <p:spTree>
+      <p:nvGrpSpPr>
+        <p:cNvPr id="1" name=""/>
+        <p:cNvGrpSpPr/>
+        <p:nvPr/>
+      </p:nvGrpSpPr>
+      <p:grpSpPr>
+        <a:xfrm>
+          <a:off x="0" y="0"/>
+          <a:ext cx="0" cy="0"/>
+          <a:chOff x="0" y="0"/>
+          <a:chExt cx="0" cy="0"/>
+        </a:xfrm>
+      </p:grpSpPr>
+      <p:sp>
+        <p:nvSpPr>
+          <p:cNvPr id="3" name="Title 2"/>
+          <p:cNvSpPr>
+            <a:spLocks noGrp="1"/>
+          </p:cNvSpPr>
+          <p:nvPr>
+            <p:ph type="title"/>
+          </p:nvPr>
+        </p:nvSpPr>
+        <p:spPr/>
+        <p:txBody>
+          <a:bodyPr/>
+          <a:lstStyle/>
+          <a:p>
+            <a:r>
+              <a:rPr lang="en-US" dirty="0"/>
+              <a:t>CSS342 Data Structures, Algorithms, and Discrete Mathematics (I)</a:t>
+            </a:r>
+          </a:p>
+        </p:txBody>
+      </p:sp>
+    </p:spTree>
+    <p:extLst>
+      <p:ext uri="{BB962C8B-B14F-4D97-AF65-F5344CB8AC3E}">
+        <p14:creationId xmlns:p14="http://schemas.microsoft.com/office/powerpoint/2010/main" val="1913477580"/>
+      </p:ext>
+    </p:extLst>
+  </p:cSld>
+  <p:clrMapOvr>
+    <a:masterClrMapping/>
+  </p:clrMapOvr>
+</p:sld>
+</file>
+
+<file path=ppt/slides/slide3.xml><?xml version="1.0" encoding="utf-8"?>
+<p:sld xmlns:a="http://schemas.openxmlformats.org/drawingml/2006/main" xmlns:r="http://schemas.openxmlformats.org/officeDocument/2006/relationships" xmlns:p="http://schemas.openxmlformats.org/presentationml/2006/main">
+  <p:cSld>
+    <p:spTree>
+      <p:nvGrpSpPr>
+        <p:cNvPr id="1" name=""/>
+        <p:cNvGrpSpPr/>
+        <p:nvPr/>
+      </p:nvGrpSpPr>
+      <p:grpSpPr>
+        <a:xfrm>
+          <a:off x="0" y="0"/>
+          <a:ext cx="0" cy="0"/>
+          <a:chOff x="0" y="0"/>
+          <a:chExt cx="0" cy="0"/>
+        </a:xfrm>
+      </p:grpSpPr>
+      <p:sp>
+        <p:nvSpPr>
+          <p:cNvPr id="2" name="Text Placeholder 1">
+            <a:extLst>
+              <a:ext uri="{FF2B5EF4-FFF2-40B4-BE49-F238E27FC236}">
+                <a16:creationId xmlns:a16="http://schemas.microsoft.com/office/drawing/2014/main" id="{06206E90-1F59-0F46-9432-C24AB90C8151}"/>
+              </a:ext>
+            </a:extLst>
+          </p:cNvPr>
+          <p:cNvSpPr>
+            <a:spLocks noGrp="1"/>
+          </p:cNvSpPr>
+          <p:nvPr>
+            <p:ph type="body" sz="quarter" idx="11"/>
+          </p:nvPr>
+        </p:nvSpPr>
+        <p:spPr>
+          <a:xfrm>
+            <a:off x="477710" y="1606529"/>
+            <a:ext cx="8280782" cy="4988250"/>
+          </a:xfrm>
+        </p:spPr>
+        <p:txBody>
+          <a:bodyPr/>
+          <a:lstStyle/>
+          <a:p>
+            <a:pPr>
+              <a:buFont typeface="Wingdings" pitchFamily="2" charset="2"/>
+              <a:buChar char="q"/>
+            </a:pPr>
+            <a:r>
+              <a:rPr lang="en-US" sz="1800" b="0" dirty="0"/>
+              <a:t>Quiz-1 review (Wed)</a:t>
+            </a:r>
+          </a:p>
+          <a:p>
+            <a:pPr>
+              <a:buFont typeface="Wingdings" pitchFamily="2" charset="2"/>
+              <a:buChar char="q"/>
+            </a:pPr>
+            <a:endParaRPr lang="en-US" sz="1800" b="0" dirty="0"/>
+          </a:p>
+          <a:p>
+            <a:pPr>
+              <a:buFont typeface="Wingdings" pitchFamily="2" charset="2"/>
+              <a:buChar char="q"/>
+            </a:pPr>
+            <a:r>
+              <a:rPr lang="en-US" sz="1800" b="0" dirty="0"/>
+              <a:t>Homework 2 Q/A (Wed)</a:t>
+            </a:r>
+          </a:p>
+          <a:p>
+            <a:pPr lvl="1">
+              <a:buFont typeface="Wingdings" pitchFamily="2" charset="2"/>
+              <a:buChar char="q"/>
+            </a:pPr>
+            <a:r>
+              <a:rPr lang="en-US" sz="1400" b="0" dirty="0"/>
+              <a:t>Common submission mistake from homework 1</a:t>
+            </a:r>
+          </a:p>
+          <a:p>
+            <a:pPr lvl="1">
+              <a:buFont typeface="Wingdings" pitchFamily="2" charset="2"/>
+              <a:buChar char="q"/>
+            </a:pPr>
+            <a:r>
+              <a:rPr lang="en-US" sz="1400" b="0" dirty="0"/>
+              <a:t>New bot check for added files</a:t>
+            </a:r>
+          </a:p>
+          <a:p>
+            <a:pPr lvl="1">
+              <a:buFont typeface="Wingdings" pitchFamily="2" charset="2"/>
+              <a:buChar char="q"/>
+            </a:pPr>
+            <a:r>
+              <a:rPr lang="en-US" sz="1400" b="0" dirty="0"/>
+              <a:t>Use test as manual</a:t>
+            </a:r>
+          </a:p>
+          <a:p>
+            <a:pPr lvl="1">
+              <a:buFont typeface="Wingdings" pitchFamily="2" charset="2"/>
+              <a:buChar char="q"/>
+            </a:pPr>
+            <a:endParaRPr lang="en-US" sz="1400" b="0" dirty="0"/>
+          </a:p>
+          <a:p>
+            <a:pPr>
+              <a:buFont typeface="Wingdings" pitchFamily="2" charset="2"/>
+              <a:buChar char="q"/>
+            </a:pPr>
+            <a:r>
+              <a:rPr lang="en-US" sz="1800" b="0" dirty="0"/>
+              <a:t>C++</a:t>
+            </a:r>
+          </a:p>
+          <a:p>
+            <a:pPr lvl="1">
+              <a:buFont typeface="Wingdings" pitchFamily="2" charset="2"/>
+              <a:buChar char="q"/>
+            </a:pPr>
+            <a:r>
+              <a:rPr lang="en-US" sz="1400" b="0" dirty="0"/>
+              <a:t>Template class</a:t>
+            </a:r>
+          </a:p>
+          <a:p>
+            <a:pPr marL="57150" indent="0">
+              <a:buNone/>
+            </a:pPr>
+            <a:endParaRPr lang="en-US" sz="1800" b="0" dirty="0"/>
+          </a:p>
+          <a:p>
+            <a:pPr>
+              <a:buFont typeface="Wingdings" pitchFamily="2" charset="2"/>
+              <a:buChar char="q"/>
+            </a:pPr>
+            <a:r>
+              <a:rPr lang="en-US" sz="1800" b="0" dirty="0"/>
+              <a:t>Linux  Platform(Wed)</a:t>
+            </a:r>
+          </a:p>
+          <a:p>
+            <a:pPr lvl="1">
+              <a:buFont typeface="Wingdings" pitchFamily="2" charset="2"/>
+              <a:buChar char="q"/>
+            </a:pPr>
+            <a:r>
+              <a:rPr lang="en-US" sz="1400" b="0" dirty="0"/>
+              <a:t>Makefile, </a:t>
+            </a:r>
+            <a:r>
+              <a:rPr lang="en-US" sz="1400" b="0" dirty="0" err="1"/>
+              <a:t>CMake</a:t>
+            </a:r>
+            <a:endParaRPr lang="en-US" sz="1400" b="0" dirty="0"/>
+          </a:p>
+          <a:p>
+            <a:pPr lvl="1">
+              <a:buFont typeface="Wingdings" pitchFamily="2" charset="2"/>
+              <a:buChar char="q"/>
+            </a:pPr>
+            <a:r>
+              <a:rPr lang="en-US" sz="1400" b="0" dirty="0"/>
+              <a:t>Debug memory leak</a:t>
+            </a:r>
+          </a:p>
+          <a:p>
+            <a:pPr lvl="1">
+              <a:buFont typeface="Wingdings" pitchFamily="2" charset="2"/>
+              <a:buChar char="q"/>
+            </a:pPr>
+            <a:r>
+              <a:rPr lang="en-US" sz="1400" b="0" dirty="0"/>
+              <a:t>Using AWS virtual machine (get an account, free)</a:t>
+            </a:r>
+          </a:p>
+          <a:p>
+            <a:pPr lvl="1">
+              <a:buFont typeface="Wingdings" pitchFamily="2" charset="2"/>
+              <a:buChar char="q"/>
+            </a:pPr>
+            <a:r>
+              <a:rPr lang="en-US" sz="1400" b="0" dirty="0"/>
+              <a:t>Learn VIM basics</a:t>
+            </a:r>
+          </a:p>
+          <a:p>
+            <a:pPr lvl="1">
+              <a:buFont typeface="Wingdings" pitchFamily="2" charset="2"/>
+              <a:buChar char="q"/>
+            </a:pPr>
+            <a:endParaRPr lang="en-US" sz="1400" b="0" dirty="0"/>
+          </a:p>
+          <a:p>
+            <a:pPr>
+              <a:buFont typeface="Wingdings" pitchFamily="2" charset="2"/>
+              <a:buChar char="q"/>
+            </a:pPr>
+            <a:r>
+              <a:rPr lang="en-US" sz="1800" b="0" dirty="0"/>
+              <a:t>Quiz-2 next </a:t>
+            </a:r>
+            <a:r>
+              <a:rPr lang="en-US" sz="1800" b="0"/>
+              <a:t>Thursday (4/28, </a:t>
+            </a:r>
+            <a:r>
+              <a:rPr lang="en-US" sz="1800" b="0" dirty="0"/>
+              <a:t>same format as before)</a:t>
+            </a:r>
+          </a:p>
+          <a:p>
+            <a:pPr marL="0" indent="0">
+              <a:buNone/>
+            </a:pPr>
+            <a:endParaRPr lang="en-US" sz="1800" b="0" dirty="0"/>
+          </a:p>
+        </p:txBody>
+      </p:sp>
+      <p:sp>
+        <p:nvSpPr>
+          <p:cNvPr id="3" name="Title 2">
+            <a:extLst>
+              <a:ext uri="{FF2B5EF4-FFF2-40B4-BE49-F238E27FC236}">
+                <a16:creationId xmlns:a16="http://schemas.microsoft.com/office/drawing/2014/main" id="{35C0EBFD-97B5-7A4B-920F-AFC8A269CDB0}"/>
+              </a:ext>
+            </a:extLst>
+          </p:cNvPr>
+          <p:cNvSpPr>
+            <a:spLocks noGrp="1"/>
+          </p:cNvSpPr>
+          <p:nvPr>
+            <p:ph type="title"/>
+          </p:nvPr>
+        </p:nvSpPr>
+        <p:spPr/>
+        <p:txBody>
+          <a:bodyPr/>
+          <a:lstStyle/>
+          <a:p>
+            <a:pPr marL="457200" indent="-457200">
+              <a:buFont typeface="Wingdings" pitchFamily="2" charset="2"/>
+              <a:buChar char="q"/>
+            </a:pPr>
+            <a:r>
+              <a:rPr lang="en-US" baseline="30000" dirty="0"/>
+              <a:t>4th</a:t>
+            </a:r>
+            <a:r>
+              <a:rPr lang="en-US" dirty="0"/>
+              <a:t> Week Schedules</a:t>
+            </a:r>
+          </a:p>
+        </p:txBody>
+      </p:sp>
+      <p:pic>
+        <p:nvPicPr>
+          <p:cNvPr id="4" name="Picture 3">
+            <a:extLst>
+              <a:ext uri="{FF2B5EF4-FFF2-40B4-BE49-F238E27FC236}">
+                <a16:creationId xmlns:a16="http://schemas.microsoft.com/office/drawing/2014/main" id="{518E769A-7A1D-2544-949B-CEA2C1F671B1}"/>
+              </a:ext>
+            </a:extLst>
+          </p:cNvPr>
+          <p:cNvPicPr>
+            <a:picLocks noChangeAspect="1"/>
+          </p:cNvPicPr>
+          <p:nvPr/>
+        </p:nvPicPr>
+        <p:blipFill>
+          <a:blip r:embed="rId2"/>
+          <a:stretch>
+            <a:fillRect/>
+          </a:stretch>
+        </p:blipFill>
+        <p:spPr>
+          <a:xfrm>
+            <a:off x="7560094" y="158183"/>
+            <a:ext cx="1383480" cy="1388369"/>
+          </a:xfrm>
+          <a:prstGeom prst="rect">
+            <a:avLst/>
+          </a:prstGeom>
+        </p:spPr>
+      </p:pic>
+    </p:spTree>
+    <p:extLst>
+      <p:ext uri="{BB962C8B-B14F-4D97-AF65-F5344CB8AC3E}">
+        <p14:creationId xmlns:p14="http://schemas.microsoft.com/office/powerpoint/2010/main" val="1640838132"/>
+      </p:ext>
+    </p:extLst>
+  </p:cSld>
+  <p:clrMapOvr>
+    <a:masterClrMapping/>
+  </p:clrMapOvr>
+</p:sld>
+</file>
+
+<file path=ppt/slides/slide4.xml><?xml version="1.0" encoding="utf-8"?>
+<p:sld xmlns:a="http://schemas.openxmlformats.org/drawingml/2006/main" xmlns:r="http://schemas.openxmlformats.org/officeDocument/2006/relationships" xmlns:p="http://schemas.openxmlformats.org/presentationml/2006/main">
+  <p:cSld>
+    <p:spTree>
+      <p:nvGrpSpPr>
+        <p:cNvPr id="1" name=""/>
+        <p:cNvGrpSpPr/>
+        <p:nvPr/>
+      </p:nvGrpSpPr>
+      <p:grpSpPr>
+        <a:xfrm>
+          <a:off x="0" y="0"/>
+          <a:ext cx="0" cy="0"/>
+          <a:chOff x="0" y="0"/>
+          <a:chExt cx="0" cy="0"/>
+        </a:xfrm>
+      </p:grpSpPr>
+      <p:sp>
+        <p:nvSpPr>
+          <p:cNvPr id="4" name="TextBox 3">
+            <a:extLst>
+              <a:ext uri="{FF2B5EF4-FFF2-40B4-BE49-F238E27FC236}">
+                <a16:creationId xmlns:a16="http://schemas.microsoft.com/office/drawing/2014/main" id="{C6FA6A43-5DF0-2B4C-A0C8-FDC95A939F5E}"/>
+              </a:ext>
+            </a:extLst>
+          </p:cNvPr>
+          <p:cNvSpPr txBox="1"/>
+          <p:nvPr/>
+        </p:nvSpPr>
+        <p:spPr>
+          <a:xfrm>
+            <a:off x="304203" y="2011247"/>
+            <a:ext cx="2414251" cy="461665"/>
+          </a:xfrm>
+          <a:prstGeom prst="rect">
+            <a:avLst/>
+          </a:prstGeom>
+          <a:noFill/>
+        </p:spPr>
+        <p:txBody>
+          <a:bodyPr wrap="none" rtlCol="0">
+            <a:spAutoFit/>
+          </a:bodyPr>
+          <a:lstStyle/>
+          <a:p>
+            <a:r>
+              <a:rPr lang="en-US" sz="2400" b="1" dirty="0"/>
+              <a:t>ADT (array vs list)</a:t>
+            </a:r>
+          </a:p>
+        </p:txBody>
+      </p:sp>
+      <p:sp>
+        <p:nvSpPr>
+          <p:cNvPr id="5" name="TextBox 4">
+            <a:extLst>
+              <a:ext uri="{FF2B5EF4-FFF2-40B4-BE49-F238E27FC236}">
+                <a16:creationId xmlns:a16="http://schemas.microsoft.com/office/drawing/2014/main" id="{A2C9E20E-3E69-B14C-9C6A-01133D22EE67}"/>
+              </a:ext>
+            </a:extLst>
+          </p:cNvPr>
+          <p:cNvSpPr txBox="1"/>
+          <p:nvPr/>
+        </p:nvSpPr>
+        <p:spPr>
+          <a:xfrm>
+            <a:off x="2718454" y="2893345"/>
+            <a:ext cx="2239074" cy="461665"/>
+          </a:xfrm>
+          <a:prstGeom prst="rect">
+            <a:avLst/>
+          </a:prstGeom>
+          <a:noFill/>
+        </p:spPr>
+        <p:txBody>
+          <a:bodyPr wrap="none" rtlCol="0">
+            <a:spAutoFit/>
+          </a:bodyPr>
+          <a:lstStyle/>
+          <a:p>
+            <a:r>
+              <a:rPr lang="en-US" sz="2400" b="1" dirty="0"/>
+              <a:t>Single linked list</a:t>
+            </a:r>
+          </a:p>
+        </p:txBody>
+      </p:sp>
+      <p:sp>
+        <p:nvSpPr>
+          <p:cNvPr id="6" name="TextBox 5">
+            <a:extLst>
+              <a:ext uri="{FF2B5EF4-FFF2-40B4-BE49-F238E27FC236}">
+                <a16:creationId xmlns:a16="http://schemas.microsoft.com/office/drawing/2014/main" id="{D16D4935-5DFE-F447-A186-4E8BB59B7E3A}"/>
+              </a:ext>
+            </a:extLst>
+          </p:cNvPr>
+          <p:cNvSpPr txBox="1"/>
+          <p:nvPr/>
+        </p:nvSpPr>
+        <p:spPr>
+          <a:xfrm>
+            <a:off x="7707645" y="3522248"/>
+            <a:ext cx="1436355" cy="461665"/>
+          </a:xfrm>
+          <a:prstGeom prst="rect">
+            <a:avLst/>
+          </a:prstGeom>
+          <a:noFill/>
+        </p:spPr>
+        <p:txBody>
+          <a:bodyPr wrap="none" rtlCol="0">
+            <a:spAutoFit/>
+          </a:bodyPr>
+          <a:lstStyle/>
+          <a:p>
+            <a:r>
+              <a:rPr lang="en-US" sz="2400" b="1" dirty="0"/>
+              <a:t>Recursion</a:t>
+            </a:r>
+          </a:p>
+        </p:txBody>
+      </p:sp>
+      <p:sp>
+        <p:nvSpPr>
+          <p:cNvPr id="7" name="TextBox 6">
+            <a:extLst>
+              <a:ext uri="{FF2B5EF4-FFF2-40B4-BE49-F238E27FC236}">
+                <a16:creationId xmlns:a16="http://schemas.microsoft.com/office/drawing/2014/main" id="{C06FE1AF-55AA-CD4A-A3AC-C8E1E44A8F33}"/>
+              </a:ext>
+            </a:extLst>
+          </p:cNvPr>
+          <p:cNvSpPr txBox="1"/>
+          <p:nvPr/>
+        </p:nvSpPr>
+        <p:spPr>
+          <a:xfrm>
+            <a:off x="353694" y="3686023"/>
+            <a:ext cx="2185085" cy="461665"/>
+          </a:xfrm>
+          <a:prstGeom prst="rect">
+            <a:avLst/>
+          </a:prstGeom>
+          <a:noFill/>
+        </p:spPr>
+        <p:txBody>
+          <a:bodyPr wrap="none" rtlCol="0">
+            <a:spAutoFit/>
+          </a:bodyPr>
+          <a:lstStyle/>
+          <a:p>
+            <a:r>
+              <a:rPr lang="en-US" sz="2400" b="1" dirty="0">
+                <a:solidFill>
+                  <a:srgbClr val="00B0F0"/>
+                </a:solidFill>
+              </a:rPr>
+              <a:t>Search Problem</a:t>
+            </a:r>
+          </a:p>
+        </p:txBody>
+      </p:sp>
+      <p:sp>
+        <p:nvSpPr>
+          <p:cNvPr id="8" name="Rectangle 7">
+            <a:extLst>
+              <a:ext uri="{FF2B5EF4-FFF2-40B4-BE49-F238E27FC236}">
+                <a16:creationId xmlns:a16="http://schemas.microsoft.com/office/drawing/2014/main" id="{44AEE59E-8EEA-E84C-9DF4-3D402F2A157A}"/>
+              </a:ext>
+            </a:extLst>
+          </p:cNvPr>
+          <p:cNvSpPr/>
+          <p:nvPr/>
+        </p:nvSpPr>
+        <p:spPr>
+          <a:xfrm>
+            <a:off x="2721626" y="4821251"/>
+            <a:ext cx="2821734" cy="461665"/>
+          </a:xfrm>
+          <a:prstGeom prst="rect">
+            <a:avLst/>
+          </a:prstGeom>
+        </p:spPr>
+        <p:txBody>
+          <a:bodyPr wrap="square">
+            <a:spAutoFit/>
+          </a:bodyPr>
+          <a:lstStyle/>
+          <a:p>
+            <a:r>
+              <a:rPr lang="en-US" sz="2400" b="1" dirty="0">
+                <a:solidFill>
+                  <a:srgbClr val="00B0F0"/>
+                </a:solidFill>
+                <a:sym typeface="Wingdings" pitchFamily="2" charset="2"/>
+              </a:rPr>
+              <a:t>Binary tree</a:t>
+            </a:r>
+          </a:p>
+        </p:txBody>
+      </p:sp>
+      <p:sp>
+        <p:nvSpPr>
+          <p:cNvPr id="9" name="TextBox 8">
+            <a:extLst>
+              <a:ext uri="{FF2B5EF4-FFF2-40B4-BE49-F238E27FC236}">
+                <a16:creationId xmlns:a16="http://schemas.microsoft.com/office/drawing/2014/main" id="{A934140A-D184-224C-897D-15CC7D866B1B}"/>
+              </a:ext>
+            </a:extLst>
+          </p:cNvPr>
+          <p:cNvSpPr txBox="1"/>
+          <p:nvPr/>
+        </p:nvSpPr>
+        <p:spPr>
+          <a:xfrm>
+            <a:off x="7707645" y="4054408"/>
+            <a:ext cx="1098378" cy="461665"/>
+          </a:xfrm>
+          <a:prstGeom prst="rect">
+            <a:avLst/>
+          </a:prstGeom>
+          <a:noFill/>
+        </p:spPr>
+        <p:txBody>
+          <a:bodyPr wrap="none" rtlCol="0">
+            <a:spAutoFit/>
+          </a:bodyPr>
+          <a:lstStyle/>
+          <a:p>
+            <a:r>
+              <a:rPr lang="en-US" sz="2400" b="1" dirty="0">
+                <a:solidFill>
+                  <a:srgbClr val="00B0F0"/>
+                </a:solidFill>
+              </a:rPr>
+              <a:t>Sorting</a:t>
+            </a:r>
+          </a:p>
+        </p:txBody>
+      </p:sp>
+      <p:sp>
+        <p:nvSpPr>
+          <p:cNvPr id="11" name="Rectangle 10">
+            <a:extLst>
+              <a:ext uri="{FF2B5EF4-FFF2-40B4-BE49-F238E27FC236}">
+                <a16:creationId xmlns:a16="http://schemas.microsoft.com/office/drawing/2014/main" id="{31A68A56-AC4E-8E41-A5B5-AB887D32DFA8}"/>
+              </a:ext>
+            </a:extLst>
+          </p:cNvPr>
+          <p:cNvSpPr/>
+          <p:nvPr/>
+        </p:nvSpPr>
+        <p:spPr>
+          <a:xfrm>
+            <a:off x="5739348" y="3592743"/>
+            <a:ext cx="1569897" cy="461665"/>
+          </a:xfrm>
+          <a:prstGeom prst="rect">
+            <a:avLst/>
+          </a:prstGeom>
+        </p:spPr>
+        <p:txBody>
+          <a:bodyPr wrap="square">
+            <a:spAutoFit/>
+          </a:bodyPr>
+          <a:lstStyle/>
+          <a:p>
+            <a:r>
+              <a:rPr lang="en-US" sz="2400" b="1" dirty="0">
+                <a:solidFill>
+                  <a:srgbClr val="00B0F0"/>
+                </a:solidFill>
+                <a:sym typeface="Wingdings" pitchFamily="2" charset="2"/>
+              </a:rPr>
+              <a:t>Hash table</a:t>
+            </a:r>
+          </a:p>
+        </p:txBody>
+      </p:sp>
+      <p:sp>
+        <p:nvSpPr>
+          <p:cNvPr id="12" name="TextBox 11">
+            <a:extLst>
+              <a:ext uri="{FF2B5EF4-FFF2-40B4-BE49-F238E27FC236}">
+                <a16:creationId xmlns:a16="http://schemas.microsoft.com/office/drawing/2014/main" id="{634D30D5-98CE-D641-B1AB-76DB0FFDBBC8}"/>
+              </a:ext>
+            </a:extLst>
+          </p:cNvPr>
+          <p:cNvSpPr txBox="1"/>
+          <p:nvPr/>
+        </p:nvSpPr>
+        <p:spPr>
+          <a:xfrm>
+            <a:off x="5735564" y="2681217"/>
+            <a:ext cx="862929" cy="461665"/>
+          </a:xfrm>
+          <a:prstGeom prst="rect">
+            <a:avLst/>
+          </a:prstGeom>
+          <a:noFill/>
+        </p:spPr>
+        <p:txBody>
+          <a:bodyPr wrap="none" rtlCol="0">
+            <a:spAutoFit/>
+          </a:bodyPr>
+          <a:lstStyle/>
+          <a:p>
+            <a:r>
+              <a:rPr lang="en-US" sz="2400" b="1" dirty="0"/>
+              <a:t>Stack</a:t>
+            </a:r>
+          </a:p>
+        </p:txBody>
+      </p:sp>
+      <p:sp>
+        <p:nvSpPr>
+          <p:cNvPr id="13" name="TextBox 12">
+            <a:extLst>
+              <a:ext uri="{FF2B5EF4-FFF2-40B4-BE49-F238E27FC236}">
+                <a16:creationId xmlns:a16="http://schemas.microsoft.com/office/drawing/2014/main" id="{88336BBE-A629-2843-AB0A-7DAD7B633A33}"/>
+              </a:ext>
+            </a:extLst>
+          </p:cNvPr>
+          <p:cNvSpPr txBox="1"/>
+          <p:nvPr/>
+        </p:nvSpPr>
+        <p:spPr>
+          <a:xfrm>
+            <a:off x="5735564" y="3107968"/>
+            <a:ext cx="1037463" cy="461665"/>
+          </a:xfrm>
+          <a:prstGeom prst="rect">
+            <a:avLst/>
+          </a:prstGeom>
+          <a:noFill/>
+        </p:spPr>
+        <p:txBody>
+          <a:bodyPr wrap="none" rtlCol="0">
+            <a:spAutoFit/>
+          </a:bodyPr>
+          <a:lstStyle/>
+          <a:p>
+            <a:r>
+              <a:rPr lang="en-US" sz="2400" b="1" dirty="0"/>
+              <a:t>Queue</a:t>
+            </a:r>
+          </a:p>
+        </p:txBody>
+      </p:sp>
+      <p:cxnSp>
+        <p:nvCxnSpPr>
+          <p:cNvPr id="14" name="Straight Arrow Connector 13">
+            <a:extLst>
+              <a:ext uri="{FF2B5EF4-FFF2-40B4-BE49-F238E27FC236}">
+                <a16:creationId xmlns:a16="http://schemas.microsoft.com/office/drawing/2014/main" id="{36FAAAD1-BCAE-3A49-B650-EC21022A7E1F}"/>
+              </a:ext>
+            </a:extLst>
+          </p:cNvPr>
+          <p:cNvCxnSpPr>
+            <a:cxnSpLocks/>
+            <a:stCxn id="5" idx="3"/>
+          </p:cNvCxnSpPr>
+          <p:nvPr/>
+        </p:nvCxnSpPr>
+        <p:spPr>
+          <a:xfrm>
+            <a:off x="4957528" y="3124178"/>
+            <a:ext cx="710060" cy="0"/>
+          </a:xfrm>
+          <a:prstGeom prst="straightConnector1">
+            <a:avLst/>
+          </a:prstGeom>
+          <a:ln>
+            <a:solidFill>
+              <a:schemeClr val="bg2">
+                <a:lumMod val="50000"/>
+              </a:schemeClr>
+            </a:solidFill>
+            <a:tailEnd type="triangle" w="med" len="lg"/>
+          </a:ln>
+        </p:spPr>
+        <p:style>
+          <a:lnRef idx="2">
+            <a:schemeClr val="accent1"/>
+          </a:lnRef>
+          <a:fillRef idx="0">
+            <a:schemeClr val="accent1"/>
+          </a:fillRef>
+          <a:effectRef idx="1">
+            <a:schemeClr val="accent1"/>
+          </a:effectRef>
+          <a:fontRef idx="minor">
+            <a:schemeClr val="tx1"/>
+          </a:fontRef>
+        </p:style>
+      </p:cxnSp>
+      <p:cxnSp>
+        <p:nvCxnSpPr>
+          <p:cNvPr id="15" name="Elbow Connector 14">
+            <a:extLst>
+              <a:ext uri="{FF2B5EF4-FFF2-40B4-BE49-F238E27FC236}">
+                <a16:creationId xmlns:a16="http://schemas.microsoft.com/office/drawing/2014/main" id="{3F25138E-E9D2-234D-AA24-B9E100D3DC9A}"/>
+              </a:ext>
+            </a:extLst>
+          </p:cNvPr>
+          <p:cNvCxnSpPr>
+            <a:stCxn id="4" idx="2"/>
+            <a:endCxn id="5" idx="1"/>
+          </p:cNvCxnSpPr>
+          <p:nvPr/>
+        </p:nvCxnSpPr>
+        <p:spPr>
+          <a:xfrm rot="16200000" flipH="1">
+            <a:off x="1789258" y="2194982"/>
+            <a:ext cx="651266" cy="1207125"/>
+          </a:xfrm>
+          <a:prstGeom prst="bentConnector2">
+            <a:avLst/>
+          </a:prstGeom>
+          <a:ln>
+            <a:solidFill>
+              <a:schemeClr val="bg2">
+                <a:lumMod val="50000"/>
+              </a:schemeClr>
+            </a:solidFill>
+            <a:tailEnd type="triangle" w="med" len="lg"/>
+          </a:ln>
+        </p:spPr>
+        <p:style>
+          <a:lnRef idx="2">
+            <a:schemeClr val="accent1"/>
+          </a:lnRef>
+          <a:fillRef idx="0">
+            <a:schemeClr val="accent1"/>
+          </a:fillRef>
+          <a:effectRef idx="1">
+            <a:schemeClr val="accent1"/>
+          </a:effectRef>
+          <a:fontRef idx="minor">
+            <a:schemeClr val="tx1"/>
+          </a:fontRef>
+        </p:style>
+      </p:cxnSp>
+      <p:cxnSp>
+        <p:nvCxnSpPr>
+          <p:cNvPr id="16" name="Elbow Connector 15">
+            <a:extLst>
+              <a:ext uri="{FF2B5EF4-FFF2-40B4-BE49-F238E27FC236}">
+                <a16:creationId xmlns:a16="http://schemas.microsoft.com/office/drawing/2014/main" id="{93EA22DF-8313-A142-BBC7-E6E0112DDE5D}"/>
+              </a:ext>
+            </a:extLst>
+          </p:cNvPr>
+          <p:cNvCxnSpPr>
+            <a:cxnSpLocks/>
+            <a:stCxn id="7" idx="2"/>
+            <a:endCxn id="8" idx="1"/>
+          </p:cNvCxnSpPr>
+          <p:nvPr/>
+        </p:nvCxnSpPr>
+        <p:spPr>
+          <a:xfrm rot="16200000" flipH="1">
+            <a:off x="1631733" y="3962191"/>
+            <a:ext cx="904396" cy="1275389"/>
+          </a:xfrm>
+          <a:prstGeom prst="bentConnector2">
+            <a:avLst/>
+          </a:prstGeom>
+          <a:ln>
+            <a:solidFill>
+              <a:schemeClr val="bg2">
+                <a:lumMod val="50000"/>
+              </a:schemeClr>
+            </a:solidFill>
+            <a:tailEnd type="triangle" w="med" len="lg"/>
+          </a:ln>
+        </p:spPr>
+        <p:style>
+          <a:lnRef idx="2">
+            <a:schemeClr val="accent1"/>
+          </a:lnRef>
+          <a:fillRef idx="0">
+            <a:schemeClr val="accent1"/>
+          </a:fillRef>
+          <a:effectRef idx="1">
+            <a:schemeClr val="accent1"/>
+          </a:effectRef>
+          <a:fontRef idx="minor">
+            <a:schemeClr val="tx1"/>
+          </a:fontRef>
+        </p:style>
+      </p:cxnSp>
+      <p:sp>
+        <p:nvSpPr>
+          <p:cNvPr id="17" name="TextBox 16">
+            <a:extLst>
+              <a:ext uri="{FF2B5EF4-FFF2-40B4-BE49-F238E27FC236}">
+                <a16:creationId xmlns:a16="http://schemas.microsoft.com/office/drawing/2014/main" id="{EB463525-C98A-2247-84A4-252EBDC2EF9D}"/>
+              </a:ext>
+            </a:extLst>
+          </p:cNvPr>
+          <p:cNvSpPr txBox="1"/>
+          <p:nvPr/>
+        </p:nvSpPr>
+        <p:spPr>
+          <a:xfrm rot="1336269">
+            <a:off x="6156729" y="2531459"/>
+            <a:ext cx="1776064" cy="307777"/>
+          </a:xfrm>
+          <a:prstGeom prst="rect">
+            <a:avLst/>
+          </a:prstGeom>
+          <a:noFill/>
+        </p:spPr>
+        <p:txBody>
+          <a:bodyPr wrap="none" rtlCol="0">
+            <a:spAutoFit/>
+          </a:bodyPr>
+          <a:lstStyle/>
+          <a:p>
+            <a:r>
+              <a:rPr lang="en-US" sz="1400" i="1" dirty="0">
+                <a:solidFill>
+                  <a:srgbClr val="C00000"/>
+                </a:solidFill>
+              </a:rPr>
+              <a:t>One-dimensional ADT</a:t>
+            </a:r>
+          </a:p>
+        </p:txBody>
+      </p:sp>
+      <p:sp>
+        <p:nvSpPr>
+          <p:cNvPr id="18" name="TextBox 17">
+            <a:extLst>
+              <a:ext uri="{FF2B5EF4-FFF2-40B4-BE49-F238E27FC236}">
+                <a16:creationId xmlns:a16="http://schemas.microsoft.com/office/drawing/2014/main" id="{55F0CCD1-2B83-E042-ADB0-DDD3D93FC745}"/>
+              </a:ext>
+            </a:extLst>
+          </p:cNvPr>
+          <p:cNvSpPr txBox="1"/>
+          <p:nvPr/>
+        </p:nvSpPr>
+        <p:spPr>
+          <a:xfrm rot="1336269">
+            <a:off x="4034999" y="4898194"/>
+            <a:ext cx="1845057" cy="307777"/>
+          </a:xfrm>
+          <a:prstGeom prst="rect">
+            <a:avLst/>
+          </a:prstGeom>
+          <a:noFill/>
+        </p:spPr>
+        <p:txBody>
+          <a:bodyPr wrap="none" rtlCol="0">
+            <a:spAutoFit/>
+          </a:bodyPr>
+          <a:lstStyle/>
+          <a:p>
+            <a:r>
+              <a:rPr lang="en-US" sz="1400" i="1" dirty="0">
+                <a:solidFill>
+                  <a:srgbClr val="C00000"/>
+                </a:solidFill>
+              </a:rPr>
+              <a:t>multi-dimensional ADT</a:t>
+            </a:r>
+          </a:p>
+        </p:txBody>
+      </p:sp>
+      <p:sp>
+        <p:nvSpPr>
+          <p:cNvPr id="10" name="Title 9">
+            <a:extLst>
+              <a:ext uri="{FF2B5EF4-FFF2-40B4-BE49-F238E27FC236}">
+                <a16:creationId xmlns:a16="http://schemas.microsoft.com/office/drawing/2014/main" id="{E17D03EE-D039-57EE-B7E5-168EDC3D9834}"/>
+              </a:ext>
+            </a:extLst>
+          </p:cNvPr>
+          <p:cNvSpPr>
+            <a:spLocks noGrp="1"/>
+          </p:cNvSpPr>
+          <p:nvPr>
+            <p:ph type="title"/>
+          </p:nvPr>
+        </p:nvSpPr>
+        <p:spPr/>
+        <p:txBody>
+          <a:bodyPr/>
+          <a:lstStyle/>
+          <a:p>
+            <a:r>
+              <a:rPr lang="en-US" dirty="0"/>
+              <a:t>Where are we at now?</a:t>
+            </a:r>
+          </a:p>
+        </p:txBody>
+      </p:sp>
+    </p:spTree>
+    <p:extLst>
+      <p:ext uri="{BB962C8B-B14F-4D97-AF65-F5344CB8AC3E}">
+        <p14:creationId xmlns:p14="http://schemas.microsoft.com/office/powerpoint/2010/main" val="4201321000"/>
+      </p:ext>
+    </p:extLst>
+  </p:cSld>
+  <p:clrMapOvr>
+    <a:masterClrMapping/>
+  </p:clrMapOvr>
+  <p:timing>
+    <p:tnLst>
+      <p:par>
+        <p:cTn id="1" dur="indefinite" restart="never" nodeType="tmRoot">
+          <p:childTnLst>
+            <p:seq concurrent="1" nextAc="seek">
+              <p:cTn id="2" dur="indefinite" nodeType="mainSeq">
+                <p:childTnLst>
+                  <p:par>
+                    <p:cTn id="3" fill="hold">
+                      <p:stCondLst>
+                        <p:cond delay="indefinite"/>
+                      </p:stCondLst>
+                      <p:childTnLst>
+                        <p:par>
+                          <p:cTn id="4" fill="hold">
+                            <p:stCondLst>
+                              <p:cond delay="0"/>
+                            </p:stCondLst>
+                            <p:childTnLst>
+                              <p:par>
+                                <p:cTn id="5" presetID="1" presetClass="entr" presetSubtype="0" fill="hold" grpId="0" nodeType="clickEffect">
+                                  <p:stCondLst>
+                                    <p:cond delay="0"/>
+                                  </p:stCondLst>
+                                  <p:childTnLst>
+                                    <p:set>
+                                      <p:cBhvr>
+                                        <p:cTn id="6" dur="1" fill="hold">
+                                          <p:stCondLst>
+                                            <p:cond delay="0"/>
+                                          </p:stCondLst>
+                                        </p:cTn>
+                                        <p:tgtEl>
+                                          <p:spTgt spid="4"/>
+                                        </p:tgtEl>
+                                        <p:attrNameLst>
+                                          <p:attrName>style.visibility</p:attrName>
+                                        </p:attrNameLst>
+                                      </p:cBhvr>
+                                      <p:to>
+                                        <p:strVal val="visible"/>
+                                      </p:to>
+                                    </p:set>
+                                  </p:childTnLst>
+                                </p:cTn>
+                              </p:par>
+                            </p:childTnLst>
+                          </p:cTn>
+                        </p:par>
+                      </p:childTnLst>
+                    </p:cTn>
+                  </p:par>
+                  <p:par>
+                    <p:cTn id="7" fill="hold">
+                      <p:stCondLst>
+                        <p:cond delay="indefinite"/>
+                      </p:stCondLst>
+                      <p:childTnLst>
+                        <p:par>
+                          <p:cTn id="8" fill="hold">
+                            <p:stCondLst>
+                              <p:cond delay="0"/>
+                            </p:stCondLst>
+                            <p:childTnLst>
+                              <p:par>
+                                <p:cTn id="9" presetID="1" presetClass="entr" presetSubtype="0" fill="hold" nodeType="clickEffect">
+                                  <p:stCondLst>
+                                    <p:cond delay="0"/>
+                                  </p:stCondLst>
+                                  <p:childTnLst>
+                                    <p:set>
+                                      <p:cBhvr>
+                                        <p:cTn id="10" dur="1" fill="hold">
+                                          <p:stCondLst>
+                                            <p:cond delay="0"/>
+                                          </p:stCondLst>
+                                        </p:cTn>
+                                        <p:tgtEl>
+                                          <p:spTgt spid="15"/>
+                                        </p:tgtEl>
+                                        <p:attrNameLst>
+                                          <p:attrName>style.visibility</p:attrName>
+                                        </p:attrNameLst>
+                                      </p:cBhvr>
+                                      <p:to>
+                                        <p:strVal val="visible"/>
+                                      </p:to>
+                                    </p:set>
+                                  </p:childTnLst>
+                                </p:cTn>
+                              </p:par>
+                              <p:par>
+                                <p:cTn id="11" presetID="1" presetClass="entr" presetSubtype="0" fill="hold" grpId="0" nodeType="withEffect">
+                                  <p:stCondLst>
+                                    <p:cond delay="0"/>
+                                  </p:stCondLst>
+                                  <p:childTnLst>
+                                    <p:set>
+                                      <p:cBhvr>
+                                        <p:cTn id="12" dur="1" fill="hold">
+                                          <p:stCondLst>
+                                            <p:cond delay="0"/>
+                                          </p:stCondLst>
+                                        </p:cTn>
+                                        <p:tgtEl>
+                                          <p:spTgt spid="5"/>
+                                        </p:tgtEl>
+                                        <p:attrNameLst>
+                                          <p:attrName>style.visibility</p:attrName>
+                                        </p:attrNameLst>
+                                      </p:cBhvr>
+                                      <p:to>
+                                        <p:strVal val="visible"/>
+                                      </p:to>
+                                    </p:set>
+                                  </p:childTnLst>
+                                </p:cTn>
+                              </p:par>
+                            </p:childTnLst>
+                          </p:cTn>
+                        </p:par>
+                      </p:childTnLst>
+                    </p:cTn>
+                  </p:par>
+                  <p:par>
+                    <p:cTn id="13" fill="hold">
+                      <p:stCondLst>
+                        <p:cond delay="indefinite"/>
+                      </p:stCondLst>
+                      <p:childTnLst>
+                        <p:par>
+                          <p:cTn id="14" fill="hold">
+                            <p:stCondLst>
+                              <p:cond delay="0"/>
+                            </p:stCondLst>
+                            <p:childTnLst>
+                              <p:par>
+                                <p:cTn id="15" presetID="1" presetClass="entr" presetSubtype="0" fill="hold" nodeType="clickEffect">
+                                  <p:stCondLst>
+                                    <p:cond delay="0"/>
+                                  </p:stCondLst>
+                                  <p:childTnLst>
+                                    <p:set>
+                                      <p:cBhvr>
+                                        <p:cTn id="16" dur="1" fill="hold">
+                                          <p:stCondLst>
+                                            <p:cond delay="0"/>
+                                          </p:stCondLst>
+                                        </p:cTn>
+                                        <p:tgtEl>
+                                          <p:spTgt spid="14"/>
+                                        </p:tgtEl>
+                                        <p:attrNameLst>
+                                          <p:attrName>style.visibility</p:attrName>
+                                        </p:attrNameLst>
+                                      </p:cBhvr>
+                                      <p:to>
+                                        <p:strVal val="visible"/>
+                                      </p:to>
+                                    </p:set>
+                                  </p:childTnLst>
+                                </p:cTn>
+                              </p:par>
+                              <p:par>
+                                <p:cTn id="17" presetID="1" presetClass="entr" presetSubtype="0" fill="hold" grpId="0" nodeType="withEffect">
+                                  <p:stCondLst>
+                                    <p:cond delay="0"/>
+                                  </p:stCondLst>
+                                  <p:childTnLst>
+                                    <p:set>
+                                      <p:cBhvr>
+                                        <p:cTn id="18" dur="1" fill="hold">
+                                          <p:stCondLst>
+                                            <p:cond delay="0"/>
+                                          </p:stCondLst>
+                                        </p:cTn>
+                                        <p:tgtEl>
+                                          <p:spTgt spid="12"/>
+                                        </p:tgtEl>
+                                        <p:attrNameLst>
+                                          <p:attrName>style.visibility</p:attrName>
+                                        </p:attrNameLst>
+                                      </p:cBhvr>
+                                      <p:to>
+                                        <p:strVal val="visible"/>
+                                      </p:to>
+                                    </p:set>
+                                  </p:childTnLst>
+                                </p:cTn>
+                              </p:par>
+                              <p:par>
+                                <p:cTn id="19" presetID="1" presetClass="entr" presetSubtype="0" fill="hold" grpId="0" nodeType="withEffect">
+                                  <p:stCondLst>
+                                    <p:cond delay="0"/>
+                                  </p:stCondLst>
+                                  <p:childTnLst>
+                                    <p:set>
+                                      <p:cBhvr>
+                                        <p:cTn id="20" dur="1" fill="hold">
+                                          <p:stCondLst>
+                                            <p:cond delay="0"/>
+                                          </p:stCondLst>
+                                        </p:cTn>
+                                        <p:tgtEl>
+                                          <p:spTgt spid="13"/>
+                                        </p:tgtEl>
+                                        <p:attrNameLst>
+                                          <p:attrName>style.visibility</p:attrName>
+                                        </p:attrNameLst>
+                                      </p:cBhvr>
+                                      <p:to>
+                                        <p:strVal val="visible"/>
+                                      </p:to>
+                                    </p:set>
+                                  </p:childTnLst>
+                                </p:cTn>
+                              </p:par>
+                            </p:childTnLst>
+                          </p:cTn>
+                        </p:par>
+                      </p:childTnLst>
+                    </p:cTn>
+                  </p:par>
+                  <p:par>
+                    <p:cTn id="21" fill="hold">
+                      <p:stCondLst>
+                        <p:cond delay="indefinite"/>
+                      </p:stCondLst>
+                      <p:childTnLst>
+                        <p:par>
+                          <p:cTn id="22" fill="hold">
+                            <p:stCondLst>
+                              <p:cond delay="0"/>
+                            </p:stCondLst>
+                            <p:childTnLst>
+                              <p:par>
+                                <p:cTn id="23" presetID="1" presetClass="entr" presetSubtype="0" fill="hold" grpId="0" nodeType="clickEffect">
+                                  <p:stCondLst>
+                                    <p:cond delay="0"/>
+                                  </p:stCondLst>
+                                  <p:childTnLst>
+                                    <p:set>
+                                      <p:cBhvr>
+                                        <p:cTn id="24" dur="1" fill="hold">
+                                          <p:stCondLst>
+                                            <p:cond delay="0"/>
+                                          </p:stCondLst>
+                                        </p:cTn>
+                                        <p:tgtEl>
+                                          <p:spTgt spid="17"/>
+                                        </p:tgtEl>
+                                        <p:attrNameLst>
+                                          <p:attrName>style.visibility</p:attrName>
+                                        </p:attrNameLst>
+                                      </p:cBhvr>
+                                      <p:to>
+                                        <p:strVal val="visible"/>
+                                      </p:to>
+                                    </p:set>
+                                  </p:childTnLst>
+                                </p:cTn>
+                              </p:par>
+                            </p:childTnLst>
+                          </p:cTn>
+                        </p:par>
+                      </p:childTnLst>
+                    </p:cTn>
+                  </p:par>
+                  <p:par>
+                    <p:cTn id="25" fill="hold">
+                      <p:stCondLst>
+                        <p:cond delay="indefinite"/>
+                      </p:stCondLst>
+                      <p:childTnLst>
+                        <p:par>
+                          <p:cTn id="26" fill="hold">
+                            <p:stCondLst>
+                              <p:cond delay="0"/>
+                            </p:stCondLst>
+                            <p:childTnLst>
+                              <p:par>
+                                <p:cTn id="27" presetID="1" presetClass="entr" presetSubtype="0" fill="hold" grpId="0" nodeType="clickEffect">
+                                  <p:stCondLst>
+                                    <p:cond delay="0"/>
+                                  </p:stCondLst>
+                                  <p:childTnLst>
+                                    <p:set>
+                                      <p:cBhvr>
+                                        <p:cTn id="28" dur="1" fill="hold">
+                                          <p:stCondLst>
+                                            <p:cond delay="0"/>
+                                          </p:stCondLst>
+                                        </p:cTn>
+                                        <p:tgtEl>
+                                          <p:spTgt spid="6"/>
+                                        </p:tgtEl>
+                                        <p:attrNameLst>
+                                          <p:attrName>style.visibility</p:attrName>
+                                        </p:attrNameLst>
+                                      </p:cBhvr>
+                                      <p:to>
+                                        <p:strVal val="visible"/>
+                                      </p:to>
+                                    </p:set>
+                                  </p:childTnLst>
+                                </p:cTn>
+                              </p:par>
+                            </p:childTnLst>
+                          </p:cTn>
+                        </p:par>
+                      </p:childTnLst>
+                    </p:cTn>
+                  </p:par>
+                  <p:par>
+                    <p:cTn id="29" fill="hold">
+                      <p:stCondLst>
+                        <p:cond delay="indefinite"/>
+                      </p:stCondLst>
+                      <p:childTnLst>
+                        <p:par>
+                          <p:cTn id="30" fill="hold">
+                            <p:stCondLst>
+                              <p:cond delay="0"/>
+                            </p:stCondLst>
+                            <p:childTnLst>
+                              <p:par>
+                                <p:cTn id="31" presetID="1" presetClass="entr" presetSubtype="0" fill="hold" grpId="0" nodeType="clickEffect">
+                                  <p:stCondLst>
+                                    <p:cond delay="0"/>
+                                  </p:stCondLst>
+                                  <p:childTnLst>
+                                    <p:set>
+                                      <p:cBhvr>
+                                        <p:cTn id="32" dur="1" fill="hold">
+                                          <p:stCondLst>
+                                            <p:cond delay="0"/>
+                                          </p:stCondLst>
+                                        </p:cTn>
+                                        <p:tgtEl>
+                                          <p:spTgt spid="7"/>
+                                        </p:tgtEl>
+                                        <p:attrNameLst>
+                                          <p:attrName>style.visibility</p:attrName>
+                                        </p:attrNameLst>
+                                      </p:cBhvr>
+                                      <p:to>
+                                        <p:strVal val="visible"/>
+                                      </p:to>
+                                    </p:set>
+                                  </p:childTnLst>
+                                </p:cTn>
+                              </p:par>
+                            </p:childTnLst>
+                          </p:cTn>
+                        </p:par>
+                      </p:childTnLst>
+                    </p:cTn>
+                  </p:par>
+                  <p:par>
+                    <p:cTn id="33" fill="hold">
+                      <p:stCondLst>
+                        <p:cond delay="indefinite"/>
+                      </p:stCondLst>
+                      <p:childTnLst>
+                        <p:par>
+                          <p:cTn id="34" fill="hold">
+                            <p:stCondLst>
+                              <p:cond delay="0"/>
+                            </p:stCondLst>
+                            <p:childTnLst>
+                              <p:par>
+                                <p:cTn id="35" presetID="1" presetClass="entr" presetSubtype="0" fill="hold" nodeType="clickEffect">
+                                  <p:stCondLst>
+                                    <p:cond delay="0"/>
+                                  </p:stCondLst>
+                                  <p:childTnLst>
+                                    <p:set>
+                                      <p:cBhvr>
+                                        <p:cTn id="36" dur="1" fill="hold">
+                                          <p:stCondLst>
+                                            <p:cond delay="0"/>
+                                          </p:stCondLst>
+                                        </p:cTn>
+                                        <p:tgtEl>
+                                          <p:spTgt spid="16"/>
+                                        </p:tgtEl>
+                                        <p:attrNameLst>
+                                          <p:attrName>style.visibility</p:attrName>
+                                        </p:attrNameLst>
+                                      </p:cBhvr>
+                                      <p:to>
+                                        <p:strVal val="visible"/>
+                                      </p:to>
+                                    </p:set>
+                                  </p:childTnLst>
+                                </p:cTn>
+                              </p:par>
+                              <p:par>
+                                <p:cTn id="37" presetID="1" presetClass="entr" presetSubtype="0" fill="hold" grpId="0" nodeType="withEffect">
+                                  <p:stCondLst>
+                                    <p:cond delay="0"/>
+                                  </p:stCondLst>
+                                  <p:childTnLst>
+                                    <p:set>
+                                      <p:cBhvr>
+                                        <p:cTn id="38" dur="1" fill="hold">
+                                          <p:stCondLst>
+                                            <p:cond delay="0"/>
+                                          </p:stCondLst>
+                                        </p:cTn>
+                                        <p:tgtEl>
+                                          <p:spTgt spid="8"/>
+                                        </p:tgtEl>
+                                        <p:attrNameLst>
+                                          <p:attrName>style.visibility</p:attrName>
+                                        </p:attrNameLst>
+                                      </p:cBhvr>
+                                      <p:to>
+                                        <p:strVal val="visible"/>
+                                      </p:to>
+                                    </p:set>
+                                  </p:childTnLst>
+                                </p:cTn>
+                              </p:par>
+                            </p:childTnLst>
+                          </p:cTn>
+                        </p:par>
+                      </p:childTnLst>
+                    </p:cTn>
+                  </p:par>
+                  <p:par>
+                    <p:cTn id="39" fill="hold">
+                      <p:stCondLst>
+                        <p:cond delay="indefinite"/>
+                      </p:stCondLst>
+                      <p:childTnLst>
+                        <p:par>
+                          <p:cTn id="40" fill="hold">
+                            <p:stCondLst>
+                              <p:cond delay="0"/>
+                            </p:stCondLst>
+                            <p:childTnLst>
+                              <p:par>
+                                <p:cTn id="41" presetID="1" presetClass="entr" presetSubtype="0" fill="hold" grpId="0" nodeType="clickEffect">
+                                  <p:stCondLst>
+                                    <p:cond delay="0"/>
+                                  </p:stCondLst>
+                                  <p:childTnLst>
+                                    <p:set>
+                                      <p:cBhvr>
+                                        <p:cTn id="42" dur="1" fill="hold">
+                                          <p:stCondLst>
+                                            <p:cond delay="0"/>
+                                          </p:stCondLst>
+                                        </p:cTn>
+                                        <p:tgtEl>
+                                          <p:spTgt spid="18"/>
+                                        </p:tgtEl>
+                                        <p:attrNameLst>
+                                          <p:attrName>style.visibility</p:attrName>
+                                        </p:attrNameLst>
+                                      </p:cBhvr>
+                                      <p:to>
+                                        <p:strVal val="visible"/>
+                                      </p:to>
+                                    </p:set>
+                                  </p:childTnLst>
+                                </p:cTn>
+                              </p:par>
+                            </p:childTnLst>
+                          </p:cTn>
+                        </p:par>
+                      </p:childTnLst>
+                    </p:cTn>
+                  </p:par>
+                  <p:par>
+                    <p:cTn id="43" fill="hold">
+                      <p:stCondLst>
+                        <p:cond delay="indefinite"/>
+                      </p:stCondLst>
+                      <p:childTnLst>
+                        <p:par>
+                          <p:cTn id="44" fill="hold">
+                            <p:stCondLst>
+                              <p:cond delay="0"/>
+                            </p:stCondLst>
+                            <p:childTnLst>
+                              <p:par>
+                                <p:cTn id="45" presetID="1" presetClass="entr" presetSubtype="0" fill="hold" grpId="0" nodeType="clickEffect">
+                                  <p:stCondLst>
+                                    <p:cond delay="0"/>
+                                  </p:stCondLst>
+                                  <p:childTnLst>
+                                    <p:set>
+                                      <p:cBhvr>
+                                        <p:cTn id="46" dur="1" fill="hold">
+                                          <p:stCondLst>
+                                            <p:cond delay="0"/>
+                                          </p:stCondLst>
+                                        </p:cTn>
+                                        <p:tgtEl>
+                                          <p:spTgt spid="11"/>
+                                        </p:tgtEl>
+                                        <p:attrNameLst>
+                                          <p:attrName>style.visibility</p:attrName>
+                                        </p:attrNameLst>
+                                      </p:cBhvr>
+                                      <p:to>
+                                        <p:strVal val="visible"/>
+                                      </p:to>
+                                    </p:set>
+                                  </p:childTnLst>
+                                </p:cTn>
+                              </p:par>
+                              <p:par>
+                                <p:cTn id="47" presetID="1" presetClass="entr" presetSubtype="0" fill="hold" grpId="0" nodeType="withEffect">
+                                  <p:stCondLst>
+                                    <p:cond delay="0"/>
+                                  </p:stCondLst>
+                                  <p:childTnLst>
+                                    <p:set>
+                                      <p:cBhvr>
+                                        <p:cTn id="48" dur="1" fill="hold">
+                                          <p:stCondLst>
+                                            <p:cond delay="0"/>
+                                          </p:stCondLst>
+                                        </p:cTn>
+                                        <p:tgtEl>
+                                          <p:spTgt spid="9"/>
+                                        </p:tgtEl>
+                                        <p:attrNameLst>
+                                          <p:attrName>style.visibility</p:attrName>
+                                        </p:attrNameLst>
+                                      </p:cBhvr>
+                                      <p:to>
+                                        <p:strVal val="visible"/>
+                                      </p:to>
+                                    </p:set>
+                                  </p:childTnLst>
+                                </p:cTn>
+                              </p:par>
+                            </p:childTnLst>
+                          </p:cTn>
+                        </p:par>
+                      </p:childTnLst>
+                    </p:cTn>
+                  </p:par>
+                </p:childTnLst>
+              </p:cTn>
+              <p:prevCondLst>
+                <p:cond evt="onPrev" delay="0">
+                  <p:tgtEl>
+                    <p:sldTgt/>
+                  </p:tgtEl>
+                </p:cond>
+              </p:prevCondLst>
+              <p:nextCondLst>
+                <p:cond evt="onNext" delay="0">
+                  <p:tgtEl>
+                    <p:sldTgt/>
+                  </p:tgtEl>
+                </p:cond>
+              </p:nextCondLst>
+            </p:seq>
+          </p:childTnLst>
+        </p:cTn>
+      </p:par>
+    </p:tnLst>
+    <p:bldLst>
+      <p:bldP spid="4" grpId="0"/>
+      <p:bldP spid="5" grpId="0"/>
+      <p:bldP spid="6" grpId="0"/>
+      <p:bldP spid="7" grpId="0"/>
+      <p:bldP spid="8" grpId="0"/>
+      <p:bldP spid="9" grpId="0"/>
+      <p:bldP spid="11" grpId="0"/>
+      <p:bldP spid="12" grpId="0"/>
+      <p:bldP spid="13" grpId="0"/>
+      <p:bldP spid="17" grpId="0"/>
+      <p:bldP spid="18" grpId="0"/>
+    </p:bldLst>
+  </p:timing>
+</p:sld>
+</file>
+
+<file path=ppt/slides/slide5.xml><?xml version="1.0" encoding="utf-8"?>
+<p:sld xmlns:a="http://schemas.openxmlformats.org/drawingml/2006/main" xmlns:r="http://schemas.openxmlformats.org/officeDocument/2006/relationships" xmlns:p="http://schemas.openxmlformats.org/presentationml/2006/main">
+  <p:cSld>
+    <p:spTree>
+      <p:nvGrpSpPr>
+        <p:cNvPr id="1" name=""/>
+        <p:cNvGrpSpPr/>
+        <p:nvPr/>
+      </p:nvGrpSpPr>
+      <p:grpSpPr>
+        <a:xfrm>
+          <a:off x="0" y="0"/>
+          <a:ext cx="0" cy="0"/>
+          <a:chOff x="0" y="0"/>
+          <a:chExt cx="0" cy="0"/>
+        </a:xfrm>
+      </p:grpSpPr>
+      <p:sp>
+        <p:nvSpPr>
+          <p:cNvPr id="2" name="Text Placeholder 1">
+            <a:extLst>
+              <a:ext uri="{FF2B5EF4-FFF2-40B4-BE49-F238E27FC236}">
+                <a16:creationId xmlns:a16="http://schemas.microsoft.com/office/drawing/2014/main" id="{ECB018FE-1DB5-E2D9-80A5-E2496C658874}"/>
+              </a:ext>
+            </a:extLst>
+          </p:cNvPr>
+          <p:cNvSpPr>
+            <a:spLocks noGrp="1"/>
+          </p:cNvSpPr>
+          <p:nvPr>
+            <p:ph type="body" sz="quarter" idx="11"/>
+          </p:nvPr>
+        </p:nvSpPr>
+        <p:spPr/>
+        <p:txBody>
+          <a:bodyPr/>
+          <a:lstStyle/>
+          <a:p>
+            <a:endParaRPr lang="en-US" dirty="0"/>
+          </a:p>
+          <a:p>
+            <a:r>
+              <a:rPr lang="en-US" dirty="0"/>
+              <a:t>How to compile and run C++ code</a:t>
+            </a:r>
+          </a:p>
+          <a:p>
+            <a:endParaRPr lang="en-US" dirty="0"/>
+          </a:p>
+          <a:p>
+            <a:pPr lvl="1"/>
+            <a:r>
+              <a:rPr lang="en-US" dirty="0"/>
+              <a:t>Without IDE (CLion)</a:t>
+            </a:r>
+          </a:p>
+          <a:p>
+            <a:pPr lvl="1"/>
+            <a:endParaRPr lang="en-US" dirty="0"/>
+          </a:p>
+          <a:p>
+            <a:r>
+              <a:rPr lang="en-US" dirty="0"/>
+              <a:t>How to run memory checker (used by </a:t>
+            </a:r>
+            <a:r>
+              <a:rPr lang="en-US" dirty="0" err="1"/>
+              <a:t>Github</a:t>
+            </a:r>
+            <a:r>
+              <a:rPr lang="en-US" dirty="0"/>
+              <a:t> Bot)</a:t>
+            </a:r>
+          </a:p>
+          <a:p>
+            <a:endParaRPr lang="en-US" dirty="0"/>
+          </a:p>
+          <a:p>
+            <a:r>
+              <a:rPr lang="en-US" dirty="0"/>
+              <a:t>Linux Basics</a:t>
+            </a:r>
+          </a:p>
+        </p:txBody>
+      </p:sp>
+      <p:sp>
+        <p:nvSpPr>
+          <p:cNvPr id="3" name="Title 2">
+            <a:extLst>
+              <a:ext uri="{FF2B5EF4-FFF2-40B4-BE49-F238E27FC236}">
+                <a16:creationId xmlns:a16="http://schemas.microsoft.com/office/drawing/2014/main" id="{F3D81E0D-EC57-8E19-E78F-3DB1A5286CE1}"/>
+              </a:ext>
+            </a:extLst>
+          </p:cNvPr>
+          <p:cNvSpPr>
+            <a:spLocks noGrp="1"/>
+          </p:cNvSpPr>
+          <p:nvPr>
+            <p:ph type="title"/>
+          </p:nvPr>
+        </p:nvSpPr>
+        <p:spPr/>
+        <p:txBody>
+          <a:bodyPr/>
+          <a:lstStyle/>
+          <a:p>
+            <a:r>
+              <a:rPr lang="en-US" dirty="0"/>
+              <a:t>Linux</a:t>
+            </a:r>
+          </a:p>
+        </p:txBody>
+      </p:sp>
+      <p:pic>
+        <p:nvPicPr>
+          <p:cNvPr id="3074" name="Picture 2" descr="Image result for linux">
+            <a:extLst>
+              <a:ext uri="{FF2B5EF4-FFF2-40B4-BE49-F238E27FC236}">
+                <a16:creationId xmlns:a16="http://schemas.microsoft.com/office/drawing/2014/main" id="{6EF80A55-BF78-08F7-EB2C-B933959AFA7E}"/>
+              </a:ext>
+            </a:extLst>
+          </p:cNvPr>
+          <p:cNvPicPr>
+            <a:picLocks noChangeAspect="1" noChangeArrowheads="1"/>
+          </p:cNvPicPr>
+          <p:nvPr/>
+        </p:nvPicPr>
+        <p:blipFill>
+          <a:blip r:embed="rId2">
+            <a:extLst>
+              <a:ext uri="{28A0092B-C50C-407E-A947-70E740481C1C}">
+                <a14:useLocalDpi xmlns:a14="http://schemas.microsoft.com/office/drawing/2010/main" val="0"/>
+              </a:ext>
+            </a:extLst>
+          </a:blip>
+          <a:srcRect/>
+          <a:stretch>
+            <a:fillRect/>
+          </a:stretch>
+        </p:blipFill>
+        <p:spPr bwMode="auto">
+          <a:xfrm>
+            <a:off x="7597212" y="371511"/>
+            <a:ext cx="984250" cy="1181100"/>
+          </a:xfrm>
+          <a:prstGeom prst="rect">
+            <a:avLst/>
+          </a:prstGeom>
+          <a:noFill/>
+          <a:extLst>
+            <a:ext uri="{909E8E84-426E-40DD-AFC4-6F175D3DCCD1}">
+              <a14:hiddenFill xmlns:a14="http://schemas.microsoft.com/office/drawing/2010/main">
+                <a:solidFill>
+                  <a:srgbClr val="FFFFFF"/>
+                </a:solidFill>
+              </a14:hiddenFill>
+            </a:ext>
+          </a:extLst>
+        </p:spPr>
+      </p:pic>
+    </p:spTree>
+    <p:extLst>
+      <p:ext uri="{BB962C8B-B14F-4D97-AF65-F5344CB8AC3E}">
+        <p14:creationId xmlns:p14="http://schemas.microsoft.com/office/powerpoint/2010/main" val="959324422"/>
+      </p:ext>
+    </p:extLst>
+  </p:cSld>
+  <p:clrMapOvr>
+    <a:masterClrMapping/>
+  </p:clrMapOvr>
+</p:sld>
+</file>
+
+<file path=ppt/slides/slide6.xml><?xml version="1.0" encoding="utf-8"?>
+<p:sld xmlns:a="http://schemas.openxmlformats.org/drawingml/2006/main" xmlns:r="http://schemas.openxmlformats.org/officeDocument/2006/relationships" xmlns:p="http://schemas.openxmlformats.org/presentationml/2006/main">
+  <p:cSld>
+    <p:spTree>
+      <p:nvGrpSpPr>
+        <p:cNvPr id="1" name=""/>
+        <p:cNvGrpSpPr/>
+        <p:nvPr/>
+      </p:nvGrpSpPr>
+      <p:grpSpPr>
+        <a:xfrm>
+          <a:off x="0" y="0"/>
+          <a:ext cx="0" cy="0"/>
+          <a:chOff x="0" y="0"/>
+          <a:chExt cx="0" cy="0"/>
+        </a:xfrm>
+      </p:grpSpPr>
+      <p:sp>
+        <p:nvSpPr>
+          <p:cNvPr id="3" name="Title 2">
+            <a:extLst>
+              <a:ext uri="{FF2B5EF4-FFF2-40B4-BE49-F238E27FC236}">
+                <a16:creationId xmlns:a16="http://schemas.microsoft.com/office/drawing/2014/main" id="{A8A9922F-AC91-02DD-7167-89E1F9278801}"/>
+              </a:ext>
+            </a:extLst>
+          </p:cNvPr>
+          <p:cNvSpPr>
+            <a:spLocks noGrp="1"/>
+          </p:cNvSpPr>
+          <p:nvPr>
+            <p:ph type="title"/>
+          </p:nvPr>
+        </p:nvSpPr>
+        <p:spPr/>
+        <p:txBody>
+          <a:bodyPr/>
+          <a:lstStyle/>
+          <a:p>
+            <a:r>
+              <a:rPr lang="en-US" dirty="0"/>
+              <a:t>Virtual machine</a:t>
+            </a:r>
+          </a:p>
+        </p:txBody>
+      </p:sp>
+      <p:pic>
+        <p:nvPicPr>
+          <p:cNvPr id="4" name="Picture 3">
+            <a:extLst>
+              <a:ext uri="{FF2B5EF4-FFF2-40B4-BE49-F238E27FC236}">
+                <a16:creationId xmlns:a16="http://schemas.microsoft.com/office/drawing/2014/main" id="{3BABF782-7767-EE77-91BD-AEAFC41CC100}"/>
+              </a:ext>
+            </a:extLst>
+          </p:cNvPr>
+          <p:cNvPicPr>
+            <a:picLocks noChangeAspect="1"/>
+          </p:cNvPicPr>
+          <p:nvPr/>
+        </p:nvPicPr>
+        <p:blipFill>
+          <a:blip r:embed="rId2"/>
+          <a:stretch>
+            <a:fillRect/>
+          </a:stretch>
+        </p:blipFill>
+        <p:spPr>
+          <a:xfrm>
+            <a:off x="450928" y="1795436"/>
+            <a:ext cx="4315604" cy="3479597"/>
+          </a:xfrm>
+          <a:prstGeom prst="rect">
+            <a:avLst/>
+          </a:prstGeom>
+          <a:ln>
+            <a:noFill/>
+          </a:ln>
+          <a:effectLst>
+            <a:outerShdw blurRad="292100" dist="139700" dir="2700000" algn="tl" rotWithShape="0">
+              <a:srgbClr val="333333">
+                <a:alpha val="65000"/>
+              </a:srgbClr>
+            </a:outerShdw>
+          </a:effectLst>
+        </p:spPr>
+      </p:pic>
+      <p:sp>
+        <p:nvSpPr>
+          <p:cNvPr id="5" name="TextBox 4">
+            <a:extLst>
+              <a:ext uri="{FF2B5EF4-FFF2-40B4-BE49-F238E27FC236}">
+                <a16:creationId xmlns:a16="http://schemas.microsoft.com/office/drawing/2014/main" id="{8EA89C9E-7B9B-A82F-8083-0DA209FADBC0}"/>
+              </a:ext>
+            </a:extLst>
+          </p:cNvPr>
+          <p:cNvSpPr txBox="1"/>
+          <p:nvPr/>
+        </p:nvSpPr>
+        <p:spPr>
+          <a:xfrm>
+            <a:off x="6535271" y="3729317"/>
+            <a:ext cx="2025876" cy="369332"/>
+          </a:xfrm>
+          <a:prstGeom prst="rect">
+            <a:avLst/>
+          </a:prstGeom>
+          <a:noFill/>
+        </p:spPr>
+        <p:txBody>
+          <a:bodyPr wrap="none" rtlCol="0">
+            <a:spAutoFit/>
+          </a:bodyPr>
+          <a:lstStyle/>
+          <a:p>
+            <a:r>
+              <a:rPr lang="en-US" dirty="0">
+                <a:hlinkClick r:id="rId3"/>
+              </a:rPr>
+              <a:t>Detailed guide here</a:t>
+            </a:r>
+            <a:endParaRPr lang="en-US" dirty="0"/>
+          </a:p>
+        </p:txBody>
+      </p:sp>
+      <p:sp>
+        <p:nvSpPr>
+          <p:cNvPr id="2" name="TextBox 1">
+            <a:extLst>
+              <a:ext uri="{FF2B5EF4-FFF2-40B4-BE49-F238E27FC236}">
+                <a16:creationId xmlns:a16="http://schemas.microsoft.com/office/drawing/2014/main" id="{047ED8F3-D111-8303-0657-1C3DB11A1371}"/>
+              </a:ext>
+            </a:extLst>
+          </p:cNvPr>
+          <p:cNvSpPr txBox="1"/>
+          <p:nvPr/>
+        </p:nvSpPr>
+        <p:spPr>
+          <a:xfrm>
+            <a:off x="5395272" y="4493324"/>
+            <a:ext cx="3460243" cy="369332"/>
+          </a:xfrm>
+          <a:prstGeom prst="rect">
+            <a:avLst/>
+          </a:prstGeom>
+          <a:noFill/>
+        </p:spPr>
+        <p:txBody>
+          <a:bodyPr wrap="none" rtlCol="0">
+            <a:spAutoFit/>
+          </a:bodyPr>
+          <a:lstStyle/>
+          <a:p>
+            <a:r>
+              <a:rPr lang="en-US" dirty="0"/>
+              <a:t>If you use Windows, </a:t>
+            </a:r>
+            <a:r>
+              <a:rPr lang="en-US" dirty="0">
+                <a:hlinkClick r:id="rId4"/>
+              </a:rPr>
+              <a:t>watch this too</a:t>
+            </a:r>
+            <a:endParaRPr lang="en-US" dirty="0"/>
+          </a:p>
+        </p:txBody>
+      </p:sp>
+    </p:spTree>
+    <p:extLst>
+      <p:ext uri="{BB962C8B-B14F-4D97-AF65-F5344CB8AC3E}">
+        <p14:creationId xmlns:p14="http://schemas.microsoft.com/office/powerpoint/2010/main" val="1588707093"/>
+      </p:ext>
+    </p:extLst>
+  </p:cSld>
+  <p:clrMapOvr>
+    <a:masterClrMapping/>
+  </p:clrMapOvr>
+</p:sld>
+</file>
+
+<file path=ppt/slides/slide7.xml><?xml version="1.0" encoding="utf-8"?>
+<p:sld xmlns:a="http://schemas.openxmlformats.org/drawingml/2006/main" xmlns:r="http://schemas.openxmlformats.org/officeDocument/2006/relationships" xmlns:p="http://schemas.openxmlformats.org/presentationml/2006/main">
+  <p:cSld>
+    <p:spTree>
+      <p:nvGrpSpPr>
+        <p:cNvPr id="1" name=""/>
+        <p:cNvGrpSpPr/>
+        <p:nvPr/>
+      </p:nvGrpSpPr>
+      <p:grpSpPr>
+        <a:xfrm>
+          <a:off x="0" y="0"/>
+          <a:ext cx="0" cy="0"/>
+          <a:chOff x="0" y="0"/>
+          <a:chExt cx="0" cy="0"/>
+        </a:xfrm>
+      </p:grpSpPr>
+      <p:sp>
+        <p:nvSpPr>
+          <p:cNvPr id="3" name="Title 2">
+            <a:extLst>
+              <a:ext uri="{FF2B5EF4-FFF2-40B4-BE49-F238E27FC236}">
+                <a16:creationId xmlns:a16="http://schemas.microsoft.com/office/drawing/2014/main" id="{7CDFBF92-3686-76C5-28BA-1B8C954B2130}"/>
+              </a:ext>
+            </a:extLst>
+          </p:cNvPr>
+          <p:cNvSpPr>
+            <a:spLocks noGrp="1"/>
+          </p:cNvSpPr>
+          <p:nvPr>
+            <p:ph type="title"/>
+          </p:nvPr>
+        </p:nvSpPr>
+        <p:spPr/>
+        <p:txBody>
+          <a:bodyPr/>
+          <a:lstStyle/>
+          <a:p>
+            <a:r>
+              <a:rPr lang="en-US" dirty="0"/>
+              <a:t>Editor on Linux</a:t>
+            </a:r>
+          </a:p>
+        </p:txBody>
+      </p:sp>
+      <p:pic>
+        <p:nvPicPr>
+          <p:cNvPr id="2050" name="Picture 2" descr="Image result for editor vim">
+            <a:extLst>
+              <a:ext uri="{FF2B5EF4-FFF2-40B4-BE49-F238E27FC236}">
+                <a16:creationId xmlns:a16="http://schemas.microsoft.com/office/drawing/2014/main" id="{E389EF00-DD58-0D5A-9012-5E9F35B400A6}"/>
+              </a:ext>
+            </a:extLst>
+          </p:cNvPr>
+          <p:cNvPicPr>
+            <a:picLocks noChangeAspect="1" noChangeArrowheads="1"/>
+          </p:cNvPicPr>
+          <p:nvPr/>
+        </p:nvPicPr>
+        <p:blipFill>
+          <a:blip r:embed="rId2">
+            <a:extLst>
+              <a:ext uri="{28A0092B-C50C-407E-A947-70E740481C1C}">
+                <a14:useLocalDpi xmlns:a14="http://schemas.microsoft.com/office/drawing/2010/main" val="0"/>
+              </a:ext>
+            </a:extLst>
+          </a:blip>
+          <a:srcRect/>
+          <a:stretch>
+            <a:fillRect/>
+          </a:stretch>
+        </p:blipFill>
+        <p:spPr bwMode="auto">
+          <a:xfrm>
+            <a:off x="6506015" y="212490"/>
+            <a:ext cx="2349500" cy="2362200"/>
+          </a:xfrm>
+          <a:prstGeom prst="rect">
+            <a:avLst/>
+          </a:prstGeom>
+          <a:ln>
+            <a:noFill/>
+          </a:ln>
+          <a:effectLst>
+            <a:outerShdw blurRad="292100" dist="139700" dir="2700000" algn="tl" rotWithShape="0">
+              <a:srgbClr val="333333">
+                <a:alpha val="65000"/>
+              </a:srgbClr>
+            </a:outerShdw>
+          </a:effectLst>
+          <a:extLst>
+            <a:ext uri="{909E8E84-426E-40DD-AFC4-6F175D3DCCD1}">
+              <a14:hiddenFill xmlns:a14="http://schemas.microsoft.com/office/drawing/2010/main">
+                <a:solidFill>
+                  <a:srgbClr val="FFFFFF"/>
+                </a:solidFill>
+              </a14:hiddenFill>
+            </a:ext>
+          </a:extLst>
+        </p:spPr>
+      </p:pic>
+      <p:pic>
+        <p:nvPicPr>
+          <p:cNvPr id="2052" name="Picture 4" descr="How to Exit Vim Editor - Stack Overflow Blog">
+            <a:extLst>
+              <a:ext uri="{FF2B5EF4-FFF2-40B4-BE49-F238E27FC236}">
+                <a16:creationId xmlns:a16="http://schemas.microsoft.com/office/drawing/2014/main" id="{0D5EE80D-7EFA-ED46-DB02-E4ABAEBFEA8A}"/>
+              </a:ext>
+            </a:extLst>
+          </p:cNvPr>
+          <p:cNvPicPr>
+            <a:picLocks noChangeAspect="1" noChangeArrowheads="1"/>
+          </p:cNvPicPr>
+          <p:nvPr/>
+        </p:nvPicPr>
+        <p:blipFill>
+          <a:blip r:embed="rId3">
+            <a:extLst>
+              <a:ext uri="{28A0092B-C50C-407E-A947-70E740481C1C}">
+                <a14:useLocalDpi xmlns:a14="http://schemas.microsoft.com/office/drawing/2010/main" val="0"/>
+              </a:ext>
+            </a:extLst>
+          </a:blip>
+          <a:srcRect/>
+          <a:stretch>
+            <a:fillRect/>
+          </a:stretch>
+        </p:blipFill>
+        <p:spPr bwMode="auto">
+          <a:xfrm>
+            <a:off x="925864" y="2064740"/>
+            <a:ext cx="1685174" cy="1653967"/>
+          </a:xfrm>
+          <a:prstGeom prst="rect">
+            <a:avLst/>
+          </a:prstGeom>
+          <a:noFill/>
+          <a:extLst>
+            <a:ext uri="{909E8E84-426E-40DD-AFC4-6F175D3DCCD1}">
+              <a14:hiddenFill xmlns:a14="http://schemas.microsoft.com/office/drawing/2010/main">
+                <a:solidFill>
+                  <a:srgbClr val="FFFFFF"/>
+                </a:solidFill>
+              </a14:hiddenFill>
+            </a:ext>
+          </a:extLst>
+        </p:spPr>
+      </p:pic>
+      <p:pic>
+        <p:nvPicPr>
+          <p:cNvPr id="2054" name="Picture 6">
+            <a:extLst>
+              <a:ext uri="{FF2B5EF4-FFF2-40B4-BE49-F238E27FC236}">
+                <a16:creationId xmlns:a16="http://schemas.microsoft.com/office/drawing/2014/main" id="{F36A625F-2E76-A5AD-535F-01CFD622861C}"/>
+              </a:ext>
+            </a:extLst>
+          </p:cNvPr>
+          <p:cNvPicPr>
+            <a:picLocks noChangeAspect="1" noChangeArrowheads="1"/>
+          </p:cNvPicPr>
+          <p:nvPr/>
+        </p:nvPicPr>
+        <p:blipFill>
+          <a:blip r:embed="rId4">
+            <a:extLst>
+              <a:ext uri="{28A0092B-C50C-407E-A947-70E740481C1C}">
+                <a14:useLocalDpi xmlns:a14="http://schemas.microsoft.com/office/drawing/2010/main" val="0"/>
+              </a:ext>
+            </a:extLst>
+          </a:blip>
+          <a:srcRect/>
+          <a:stretch>
+            <a:fillRect/>
+          </a:stretch>
+        </p:blipFill>
+        <p:spPr bwMode="auto">
+          <a:xfrm>
+            <a:off x="1226938" y="4108567"/>
+            <a:ext cx="2875043" cy="2487519"/>
+          </a:xfrm>
+          <a:prstGeom prst="rect">
+            <a:avLst/>
+          </a:prstGeom>
+          <a:noFill/>
+          <a:extLst>
+            <a:ext uri="{909E8E84-426E-40DD-AFC4-6F175D3DCCD1}">
+              <a14:hiddenFill xmlns:a14="http://schemas.microsoft.com/office/drawing/2010/main">
+                <a:solidFill>
+                  <a:srgbClr val="FFFFFF"/>
+                </a:solidFill>
+              </a14:hiddenFill>
+            </a:ext>
+          </a:extLst>
+        </p:spPr>
+      </p:pic>
+      <p:pic>
+        <p:nvPicPr>
+          <p:cNvPr id="4" name="Picture 3">
+            <a:extLst>
+              <a:ext uri="{FF2B5EF4-FFF2-40B4-BE49-F238E27FC236}">
+                <a16:creationId xmlns:a16="http://schemas.microsoft.com/office/drawing/2014/main" id="{0012A495-5A06-9083-E19B-E585D3326512}"/>
+              </a:ext>
+            </a:extLst>
+          </p:cNvPr>
+          <p:cNvPicPr>
+            <a:picLocks noChangeAspect="1"/>
+          </p:cNvPicPr>
+          <p:nvPr/>
+        </p:nvPicPr>
+        <p:blipFill>
+          <a:blip r:embed="rId5"/>
+          <a:stretch>
+            <a:fillRect/>
+          </a:stretch>
+        </p:blipFill>
+        <p:spPr>
+          <a:xfrm>
+            <a:off x="4572000" y="3203811"/>
+            <a:ext cx="2184400" cy="2159000"/>
+          </a:xfrm>
+          <a:prstGeom prst="rect">
+            <a:avLst/>
+          </a:prstGeom>
+        </p:spPr>
+      </p:pic>
+    </p:spTree>
+    <p:extLst>
+      <p:ext uri="{BB962C8B-B14F-4D97-AF65-F5344CB8AC3E}">
+        <p14:creationId xmlns:p14="http://schemas.microsoft.com/office/powerpoint/2010/main" val="1214914991"/>
+      </p:ext>
+    </p:extLst>
+  </p:cSld>
+  <p:clrMapOvr>
+    <a:masterClrMapping/>
+  </p:clrMapOvr>
+  <p:timing>
+    <p:tnLst>
+      <p:par>
+        <p:cTn id="1" dur="indefinite" restart="never" nodeType="tmRoot">
+          <p:childTnLst>
+            <p:seq concurrent="1" nextAc="seek">
+              <p:cTn id="2" dur="indefinite" nodeType="mainSeq">
+                <p:childTnLst>
+                  <p:par>
+                    <p:cTn id="3" fill="hold">
+                      <p:stCondLst>
+                        <p:cond delay="indefinite"/>
+                      </p:stCondLst>
+                      <p:childTnLst>
+                        <p:par>
+                          <p:cTn id="4" fill="hold">
+                            <p:stCondLst>
+                              <p:cond delay="0"/>
+                            </p:stCondLst>
+                            <p:childTnLst>
+                              <p:par>
+                                <p:cTn id="5" presetID="1" presetClass="entr" presetSubtype="0" fill="hold" nodeType="clickEffect">
+                                  <p:stCondLst>
+                                    <p:cond delay="0"/>
+                                  </p:stCondLst>
+                                  <p:childTnLst>
+                                    <p:set>
+                                      <p:cBhvr>
+                                        <p:cTn id="6" dur="1" fill="hold">
+                                          <p:stCondLst>
+                                            <p:cond delay="0"/>
+                                          </p:stCondLst>
+                                        </p:cTn>
+                                        <p:tgtEl>
+                                          <p:spTgt spid="2052"/>
+                                        </p:tgtEl>
+                                        <p:attrNameLst>
+                                          <p:attrName>style.visibility</p:attrName>
+                                        </p:attrNameLst>
+                                      </p:cBhvr>
+                                      <p:to>
+                                        <p:strVal val="visible"/>
+                                      </p:to>
+                                    </p:set>
+                                  </p:childTnLst>
+                                </p:cTn>
+                              </p:par>
+                            </p:childTnLst>
+                          </p:cTn>
+                        </p:par>
+                      </p:childTnLst>
+                    </p:cTn>
+                  </p:par>
+                  <p:par>
+                    <p:cTn id="7" fill="hold">
+                      <p:stCondLst>
+                        <p:cond delay="indefinite"/>
+                      </p:stCondLst>
+                      <p:childTnLst>
+                        <p:par>
+                          <p:cTn id="8" fill="hold">
+                            <p:stCondLst>
+                              <p:cond delay="0"/>
+                            </p:stCondLst>
+                            <p:childTnLst>
+                              <p:par>
+                                <p:cTn id="9" presetID="1" presetClass="entr" presetSubtype="0" fill="hold" nodeType="clickEffect">
+                                  <p:stCondLst>
+                                    <p:cond delay="0"/>
+                                  </p:stCondLst>
+                                  <p:childTnLst>
+                                    <p:set>
+                                      <p:cBhvr>
+                                        <p:cTn id="10" dur="1" fill="hold">
+                                          <p:stCondLst>
+                                            <p:cond delay="0"/>
+                                          </p:stCondLst>
+                                        </p:cTn>
+                                        <p:tgtEl>
+                                          <p:spTgt spid="2054"/>
+                                        </p:tgtEl>
+                                        <p:attrNameLst>
+                                          <p:attrName>style.visibility</p:attrName>
+                                        </p:attrNameLst>
+                                      </p:cBhvr>
+                                      <p:to>
+                                        <p:strVal val="visible"/>
+                                      </p:to>
+                                    </p:set>
+                                  </p:childTnLst>
+                                </p:cTn>
+                              </p:par>
+                            </p:childTnLst>
+                          </p:cTn>
+                        </p:par>
+                      </p:childTnLst>
+                    </p:cTn>
+                  </p:par>
+                  <p:par>
+                    <p:cTn id="11" fill="hold">
+                      <p:stCondLst>
+                        <p:cond delay="indefinite"/>
+                      </p:stCondLst>
+                      <p:childTnLst>
+                        <p:par>
+                          <p:cTn id="12" fill="hold">
+                            <p:stCondLst>
+                              <p:cond delay="0"/>
+                            </p:stCondLst>
+                            <p:childTnLst>
+                              <p:par>
+                                <p:cTn id="13" presetID="1" presetClass="entr" presetSubtype="0" fill="hold" nodeType="clickEffect">
+                                  <p:stCondLst>
+                                    <p:cond delay="0"/>
+                                  </p:stCondLst>
+                                  <p:childTnLst>
+                                    <p:set>
+                                      <p:cBhvr>
+                                        <p:cTn id="14" dur="1" fill="hold">
+                                          <p:stCondLst>
+                                            <p:cond delay="0"/>
+                                          </p:stCondLst>
+                                        </p:cTn>
+                                        <p:tgtEl>
+                                          <p:spTgt spid="4"/>
+                                        </p:tgtEl>
+                                        <p:attrNameLst>
+                                          <p:attrName>style.visibility</p:attrName>
+                                        </p:attrNameLst>
+                                      </p:cBhvr>
+                                      <p:to>
+                                        <p:strVal val="visible"/>
+                                      </p:to>
+                                    </p:set>
+                                  </p:childTnLst>
+                                </p:cTn>
+                              </p:par>
+                            </p:childTnLst>
+                          </p:cTn>
+                        </p:par>
+                      </p:childTnLst>
+                    </p:cTn>
+                  </p:par>
+                </p:childTnLst>
+              </p:cTn>
+              <p:prevCondLst>
+                <p:cond evt="onPrev" delay="0">
+                  <p:tgtEl>
+                    <p:sldTgt/>
+                  </p:tgtEl>
+                </p:cond>
+              </p:prevCondLst>
+              <p:nextCondLst>
+                <p:cond evt="onNext" delay="0">
+                  <p:tgtEl>
+                    <p:sldTgt/>
+                  </p:tgtEl>
+                </p:cond>
+              </p:nextCondLst>
+            </p:seq>
+          </p:childTnLst>
+        </p:cTn>
+      </p:par>
+    </p:tnLst>
+  </p:timing>
+</p:sld>
+</file>
+
+<file path=ppt/slides/slide8.xml><?xml version="1.0" encoding="utf-8"?>
+<p:sld xmlns:a="http://schemas.openxmlformats.org/drawingml/2006/main" xmlns:r="http://schemas.openxmlformats.org/officeDocument/2006/relationships" xmlns:p="http://schemas.openxmlformats.org/presentationml/2006/main">
+  <p:cSld>
+    <p:spTree>
+      <p:nvGrpSpPr>
+        <p:cNvPr id="1" name=""/>
+        <p:cNvGrpSpPr/>
+        <p:nvPr/>
+      </p:nvGrpSpPr>
+      <p:grpSpPr>
+        <a:xfrm>
+          <a:off x="0" y="0"/>
+          <a:ext cx="0" cy="0"/>
+          <a:chOff x="0" y="0"/>
+          <a:chExt cx="0" cy="0"/>
+        </a:xfrm>
+      </p:grpSpPr>
+      <p:sp>
+        <p:nvSpPr>
+          <p:cNvPr id="2" name="Text Placeholder 1">
+            <a:extLst>
+              <a:ext uri="{FF2B5EF4-FFF2-40B4-BE49-F238E27FC236}">
+                <a16:creationId xmlns:a16="http://schemas.microsoft.com/office/drawing/2014/main" id="{F5ABED73-3272-F67F-02CF-6F3AB09E1C54}"/>
+              </a:ext>
+            </a:extLst>
+          </p:cNvPr>
+          <p:cNvSpPr>
+            <a:spLocks noGrp="1"/>
+          </p:cNvSpPr>
+          <p:nvPr>
+            <p:ph type="body" sz="quarter" idx="11"/>
+          </p:nvPr>
+        </p:nvSpPr>
+        <p:spPr/>
+        <p:txBody>
+          <a:bodyPr/>
+          <a:lstStyle/>
+          <a:p>
+            <a:endParaRPr lang="en-US" dirty="0"/>
+          </a:p>
+          <a:p>
+            <a:r>
+              <a:rPr lang="en-US" dirty="0"/>
+              <a:t>What happens when you click </a:t>
+            </a:r>
+          </a:p>
+        </p:txBody>
+      </p:sp>
+      <p:sp>
+        <p:nvSpPr>
+          <p:cNvPr id="3" name="Title 2">
+            <a:extLst>
+              <a:ext uri="{FF2B5EF4-FFF2-40B4-BE49-F238E27FC236}">
+                <a16:creationId xmlns:a16="http://schemas.microsoft.com/office/drawing/2014/main" id="{17240798-5440-F029-4A82-E24A6BABF3EF}"/>
+              </a:ext>
+            </a:extLst>
+          </p:cNvPr>
+          <p:cNvSpPr>
+            <a:spLocks noGrp="1"/>
+          </p:cNvSpPr>
+          <p:nvPr>
+            <p:ph type="title"/>
+          </p:nvPr>
+        </p:nvSpPr>
+        <p:spPr/>
+        <p:txBody>
+          <a:bodyPr/>
+          <a:lstStyle/>
+          <a:p>
+            <a:r>
+              <a:rPr lang="en-US" dirty="0"/>
+              <a:t>Code -&gt; Binary</a:t>
+            </a:r>
+          </a:p>
+        </p:txBody>
+      </p:sp>
+      <p:pic>
+        <p:nvPicPr>
+          <p:cNvPr id="5" name="Picture 4">
+            <a:extLst>
+              <a:ext uri="{FF2B5EF4-FFF2-40B4-BE49-F238E27FC236}">
+                <a16:creationId xmlns:a16="http://schemas.microsoft.com/office/drawing/2014/main" id="{B686741A-B5DC-3174-1CBB-EB235959FCB0}"/>
+              </a:ext>
+            </a:extLst>
+          </p:cNvPr>
+          <p:cNvPicPr>
+            <a:picLocks noChangeAspect="1"/>
+          </p:cNvPicPr>
+          <p:nvPr/>
+        </p:nvPicPr>
+        <p:blipFill>
+          <a:blip r:embed="rId2"/>
+          <a:stretch>
+            <a:fillRect/>
+          </a:stretch>
+        </p:blipFill>
+        <p:spPr>
+          <a:xfrm>
+            <a:off x="420023" y="2983623"/>
+            <a:ext cx="4055415" cy="2768600"/>
+          </a:xfrm>
+          <a:prstGeom prst="rect">
+            <a:avLst/>
+          </a:prstGeom>
+          <a:ln>
+            <a:noFill/>
+          </a:ln>
+          <a:effectLst>
+            <a:outerShdw blurRad="292100" dist="139700" dir="2700000" algn="tl" rotWithShape="0">
+              <a:srgbClr val="333333">
+                <a:alpha val="65000"/>
+              </a:srgbClr>
+            </a:outerShdw>
+          </a:effectLst>
+        </p:spPr>
+      </p:pic>
+      <p:pic>
+        <p:nvPicPr>
+          <p:cNvPr id="6" name="Picture 5">
+            <a:extLst>
+              <a:ext uri="{FF2B5EF4-FFF2-40B4-BE49-F238E27FC236}">
+                <a16:creationId xmlns:a16="http://schemas.microsoft.com/office/drawing/2014/main" id="{B573C25F-6A70-2073-8580-2A980A856E94}"/>
+              </a:ext>
+            </a:extLst>
+          </p:cNvPr>
+          <p:cNvPicPr>
+            <a:picLocks noChangeAspect="1"/>
+          </p:cNvPicPr>
+          <p:nvPr/>
+        </p:nvPicPr>
+        <p:blipFill>
+          <a:blip r:embed="rId3"/>
+          <a:stretch>
+            <a:fillRect/>
+          </a:stretch>
+        </p:blipFill>
+        <p:spPr>
+          <a:xfrm>
+            <a:off x="5037138" y="2983622"/>
+            <a:ext cx="3584365" cy="2751379"/>
+          </a:xfrm>
+          <a:prstGeom prst="rect">
+            <a:avLst/>
+          </a:prstGeom>
+          <a:ln>
+            <a:noFill/>
+          </a:ln>
+          <a:effectLst>
+            <a:outerShdw blurRad="292100" dist="139700" dir="2700000" algn="tl" rotWithShape="0">
+              <a:srgbClr val="333333">
+                <a:alpha val="65000"/>
+              </a:srgbClr>
+            </a:outerShdw>
+          </a:effectLst>
+        </p:spPr>
+      </p:pic>
+    </p:spTree>
+    <p:extLst>
+      <p:ext uri="{BB962C8B-B14F-4D97-AF65-F5344CB8AC3E}">
+        <p14:creationId xmlns:p14="http://schemas.microsoft.com/office/powerpoint/2010/main" val="4222421215"/>
+      </p:ext>
+    </p:extLst>
+  </p:cSld>
+  <p:clrMapOvr>
+    <a:masterClrMapping/>
+  </p:clrMapOvr>
+  <p:timing>
+    <p:tnLst>
+      <p:par>
+        <p:cTn id="1" dur="indefinite" restart="never" nodeType="tmRoot">
+          <p:childTnLst>
+            <p:seq concurrent="1" nextAc="seek">
+              <p:cTn id="2" dur="indefinite" nodeType="mainSeq">
+                <p:childTnLst>
+                  <p:par>
+                    <p:cTn id="3" fill="hold">
+                      <p:stCondLst>
+                        <p:cond delay="indefinite"/>
+                      </p:stCondLst>
+                      <p:childTnLst>
+                        <p:par>
+                          <p:cTn id="4" fill="hold">
+                            <p:stCondLst>
+                              <p:cond delay="0"/>
+                            </p:stCondLst>
+                            <p:childTnLst>
+                              <p:par>
+                                <p:cTn id="5" presetID="1" presetClass="entr" presetSubtype="0" fill="hold" nodeType="clickEffect">
+                                  <p:stCondLst>
+                                    <p:cond delay="0"/>
+                                  </p:stCondLst>
+                                  <p:childTnLst>
+                                    <p:set>
+                                      <p:cBhvr>
+                                        <p:cTn id="6" dur="1" fill="hold">
+                                          <p:stCondLst>
+                                            <p:cond delay="0"/>
+                                          </p:stCondLst>
+                                        </p:cTn>
+                                        <p:tgtEl>
+                                          <p:spTgt spid="6"/>
+                                        </p:tgtEl>
+                                        <p:attrNameLst>
+                                          <p:attrName>style.visibility</p:attrName>
+                                        </p:attrNameLst>
+                                      </p:cBhvr>
+                                      <p:to>
+                                        <p:strVal val="visible"/>
+                                      </p:to>
+                                    </p:set>
+                                  </p:childTnLst>
+                                </p:cTn>
+                              </p:par>
+                            </p:childTnLst>
+                          </p:cTn>
+                        </p:par>
+                      </p:childTnLst>
+                    </p:cTn>
+                  </p:par>
+                </p:childTnLst>
+              </p:cTn>
+              <p:prevCondLst>
+                <p:cond evt="onPrev" delay="0">
+                  <p:tgtEl>
+                    <p:sldTgt/>
+                  </p:tgtEl>
+                </p:cond>
+              </p:prevCondLst>
+              <p:nextCondLst>
+                <p:cond evt="onNext" delay="0">
+                  <p:tgtEl>
+                    <p:sldTgt/>
+                  </p:tgtEl>
+                </p:cond>
+              </p:nextCondLst>
+            </p:seq>
+          </p:childTnLst>
+        </p:cTn>
+      </p:par>
+    </p:tnLst>
+  </p:timing>
+</p:sld>
+</file>
+
+<file path=ppt/slides/slide9.xml><?xml version="1.0" encoding="utf-8"?>
+<p:sld xmlns:a="http://schemas.openxmlformats.org/drawingml/2006/main" xmlns:r="http://schemas.openxmlformats.org/officeDocument/2006/relationships" xmlns:p="http://schemas.openxmlformats.org/presentationml/2006/main">
+  <p:cSld>
+    <p:spTree>
+      <p:nvGrpSpPr>
+        <p:cNvPr id="1" name=""/>
+        <p:cNvGrpSpPr/>
+        <p:nvPr/>
+      </p:nvGrpSpPr>
+      <p:grpSpPr>
+        <a:xfrm>
+          <a:off x="0" y="0"/>
+          <a:ext cx="0" cy="0"/>
+          <a:chOff x="0" y="0"/>
+          <a:chExt cx="0" cy="0"/>
+        </a:xfrm>
+      </p:grpSpPr>
+      <p:sp>
+        <p:nvSpPr>
+          <p:cNvPr id="3" name="Title 2">
+            <a:extLst>
+              <a:ext uri="{FF2B5EF4-FFF2-40B4-BE49-F238E27FC236}">
+                <a16:creationId xmlns:a16="http://schemas.microsoft.com/office/drawing/2014/main" id="{A1E2141C-0815-0F43-95B1-DE633B8D47A0}"/>
+              </a:ext>
+            </a:extLst>
+          </p:cNvPr>
+          <p:cNvSpPr>
+            <a:spLocks noGrp="1"/>
+          </p:cNvSpPr>
+          <p:nvPr>
+            <p:ph type="title"/>
+          </p:nvPr>
+        </p:nvSpPr>
+        <p:spPr/>
+        <p:txBody>
+          <a:bodyPr/>
+          <a:lstStyle/>
+          <a:p>
+            <a:r>
+              <a:rPr lang="en-US" dirty="0" err="1"/>
+              <a:t>Makefile</a:t>
+            </a:r>
+            <a:endParaRPr lang="en-US" dirty="0"/>
+          </a:p>
+        </p:txBody>
+      </p:sp>
+      <p:pic>
+        <p:nvPicPr>
+          <p:cNvPr id="2" name="Picture 1">
+            <a:extLst>
+              <a:ext uri="{FF2B5EF4-FFF2-40B4-BE49-F238E27FC236}">
+                <a16:creationId xmlns:a16="http://schemas.microsoft.com/office/drawing/2014/main" id="{7A95A138-DD79-556E-B169-73B2723936F4}"/>
+              </a:ext>
+            </a:extLst>
+          </p:cNvPr>
+          <p:cNvPicPr>
+            <a:picLocks noChangeAspect="1"/>
+          </p:cNvPicPr>
+          <p:nvPr/>
+        </p:nvPicPr>
+        <p:blipFill>
+          <a:blip r:embed="rId2"/>
+          <a:stretch>
+            <a:fillRect/>
+          </a:stretch>
+        </p:blipFill>
+        <p:spPr>
+          <a:xfrm>
+            <a:off x="1613078" y="1978249"/>
+            <a:ext cx="4584700" cy="3503592"/>
+          </a:xfrm>
+          <a:prstGeom prst="rect">
+            <a:avLst/>
+          </a:prstGeom>
+          <a:ln>
+            <a:noFill/>
+          </a:ln>
+          <a:effectLst>
+            <a:outerShdw blurRad="292100" dist="139700" dir="2700000" algn="tl" rotWithShape="0">
+              <a:srgbClr val="333333">
+                <a:alpha val="65000"/>
+              </a:srgbClr>
+            </a:outerShdw>
+          </a:effectLst>
+        </p:spPr>
+      </p:pic>
+      <p:pic>
+        <p:nvPicPr>
+          <p:cNvPr id="1026" name="Picture 2" descr="10 Hilarious Binary Jokes That Will Make You Laugh - Convert Binary">
+            <a:extLst>
+              <a:ext uri="{FF2B5EF4-FFF2-40B4-BE49-F238E27FC236}">
+                <a16:creationId xmlns:a16="http://schemas.microsoft.com/office/drawing/2014/main" id="{EA202CD5-4F2B-A86D-62A0-C7350D897880}"/>
+              </a:ext>
+            </a:extLst>
+          </p:cNvPr>
+          <p:cNvPicPr>
+            <a:picLocks noChangeAspect="1" noChangeArrowheads="1"/>
+          </p:cNvPicPr>
+          <p:nvPr/>
+        </p:nvPicPr>
+        <p:blipFill>
+          <a:blip r:embed="rId3">
+            <a:extLst>
+              <a:ext uri="{28A0092B-C50C-407E-A947-70E740481C1C}">
+                <a14:useLocalDpi xmlns:a14="http://schemas.microsoft.com/office/drawing/2010/main" val="0"/>
+              </a:ext>
+            </a:extLst>
+          </a:blip>
+          <a:srcRect/>
+          <a:stretch>
+            <a:fillRect/>
+          </a:stretch>
+        </p:blipFill>
+        <p:spPr bwMode="auto">
+          <a:xfrm>
+            <a:off x="7353840" y="331495"/>
+            <a:ext cx="1501675" cy="1072029"/>
+          </a:xfrm>
+          <a:prstGeom prst="rect">
+            <a:avLst/>
+          </a:prstGeom>
+          <a:ln>
+            <a:noFill/>
+          </a:ln>
+          <a:effectLst>
+            <a:softEdge rad="112500"/>
+          </a:effectLst>
+          <a:extLst>
+            <a:ext uri="{909E8E84-426E-40DD-AFC4-6F175D3DCCD1}">
+              <a14:hiddenFill xmlns:a14="http://schemas.microsoft.com/office/drawing/2010/main">
+                <a:solidFill>
+                  <a:srgbClr val="FFFFFF"/>
+                </a:solidFill>
+              </a14:hiddenFill>
+            </a:ext>
+          </a:extLst>
+        </p:spPr>
+      </p:pic>
+    </p:spTree>
+    <p:extLst>
+      <p:ext uri="{BB962C8B-B14F-4D97-AF65-F5344CB8AC3E}">
+        <p14:creationId xmlns:p14="http://schemas.microsoft.com/office/powerpoint/2010/main" val="330207620"/>
       </p:ext>
     </p:extLst>
   </p:cSld>

--- a/week_04_OOP_ADT_LIST/week_04.pptx
+++ b/week_04_OOP_ADT_LIST/week_04.pptx
@@ -4637,15 +4637,7 @@
             </a:pPr>
             <a:r>
               <a:rPr lang="en-US" sz="1800" b="0" dirty="0"/>
-              <a:t>Quiz-2 next </a:t>
-            </a:r>
-            <a:r>
-              <a:rPr lang="en-US" sz="1800" b="0"/>
-              <a:t>Thursday (4/28, </a:t>
-            </a:r>
-            <a:r>
-              <a:rPr lang="en-US" sz="1800" b="0" dirty="0"/>
-              <a:t>same format as before)</a:t>
+              <a:t>Quiz-2 next Thursday (4/28, same format as before)</a:t>
             </a:r>
           </a:p>
           <a:p>
@@ -5960,7 +5952,12 @@
             <p:ph type="body" sz="quarter" idx="11"/>
           </p:nvPr>
         </p:nvSpPr>
-        <p:spPr/>
+        <p:spPr>
+          <a:xfrm>
+            <a:off x="659305" y="1745271"/>
+            <a:ext cx="8196210" cy="4015497"/>
+          </a:xfrm>
+        </p:spPr>
         <p:txBody>
           <a:bodyPr/>
           <a:lstStyle/>
